--- a/User_story/Seyoung User Stories.pptx
+++ b/User_story/Seyoung User Stories.pptx
@@ -116,6 +116,10 @@
     </p:ext>
   </p:extLst>
 </p:presentation>
+</file>
+
+<file path=ppt/revisionInfo.xml><?xml version="1.0" encoding="utf-8"?>
+<p1510:revInfo xmlns:a="http://schemas.openxmlformats.org/drawingml/2006/main" xmlns:r="http://schemas.openxmlformats.org/officeDocument/2006/relationships" xmlns:p1510="http://schemas.microsoft.com/office/powerpoint/2015/10/main"/>
 </file>
 
 <file path=ppt/slideLayouts/slideLayout1.xml><?xml version="1.0" encoding="utf-8"?>
@@ -3030,7 +3034,7 @@
                   <a:schemeClr val="tx1"/>
                 </a:solidFill>
               </a:rPr>
-              <a:t>Story ID 0</a:t>
+              <a:t>Story ID </a:t>
             </a:r>
           </a:p>
         </p:txBody>
@@ -3502,7 +3506,7 @@
                   <a:schemeClr val="tx1"/>
                 </a:solidFill>
               </a:rPr>
-              <a:t>Story ID 0</a:t>
+              <a:t>Story ID </a:t>
             </a:r>
           </a:p>
         </p:txBody>
@@ -3975,7 +3979,7 @@
                   <a:schemeClr val="tx1"/>
                 </a:solidFill>
               </a:rPr>
-              <a:t>Story ID 0</a:t>
+              <a:t>Story ID </a:t>
             </a:r>
           </a:p>
         </p:txBody>
@@ -4555,7 +4559,7 @@
                   <a:schemeClr val="tx1"/>
                 </a:solidFill>
               </a:rPr>
-              <a:t>Story ID 0</a:t>
+              <a:t>Story ID </a:t>
             </a:r>
           </a:p>
         </p:txBody>
@@ -5032,7 +5036,7 @@
                   <a:schemeClr val="tx1"/>
                 </a:solidFill>
               </a:rPr>
-              <a:t>Story ID 0</a:t>
+              <a:t>Story ID </a:t>
             </a:r>
           </a:p>
         </p:txBody>
@@ -5523,7 +5527,7 @@
                   <a:schemeClr val="tx1"/>
                 </a:solidFill>
               </a:rPr>
-              <a:t>Story ID 0</a:t>
+              <a:t>Story ID </a:t>
             </a:r>
           </a:p>
         </p:txBody>

--- a/User_story/Seyoung User Stories.pptx
+++ b/User_story/Seyoung User Stories.pptx
@@ -6,12 +6,9 @@
   </p:sldMasterIdLst>
   <p:sldIdLst>
     <p:sldId id="268" r:id="rId2"/>
-    <p:sldId id="269" r:id="rId3"/>
-    <p:sldId id="270" r:id="rId4"/>
-    <p:sldId id="271" r:id="rId5"/>
-    <p:sldId id="272" r:id="rId6"/>
-    <p:sldId id="273" r:id="rId7"/>
-    <p:sldId id="274" r:id="rId8"/>
+    <p:sldId id="270" r:id="rId3"/>
+    <p:sldId id="273" r:id="rId4"/>
+    <p:sldId id="274" r:id="rId5"/>
   </p:sldIdLst>
   <p:sldSz cx="12192000" cy="6858000"/>
   <p:notesSz cx="6858000" cy="9144000"/>
@@ -253,7 +250,7 @@
           <a:p>
             <a:fld id="{5B4268EA-73F9-4955-9E64-2FD477901B09}" type="datetimeFigureOut">
               <a:rPr lang="en-AU" smtClean="0"/>
-              <a:t>7/09/2017</a:t>
+              <a:t>8/09/2017</a:t>
             </a:fld>
             <a:endParaRPr lang="en-AU"/>
           </a:p>
@@ -423,7 +420,7 @@
           <a:p>
             <a:fld id="{5B4268EA-73F9-4955-9E64-2FD477901B09}" type="datetimeFigureOut">
               <a:rPr lang="en-AU" smtClean="0"/>
-              <a:t>7/09/2017</a:t>
+              <a:t>8/09/2017</a:t>
             </a:fld>
             <a:endParaRPr lang="en-AU"/>
           </a:p>
@@ -603,7 +600,7 @@
           <a:p>
             <a:fld id="{5B4268EA-73F9-4955-9E64-2FD477901B09}" type="datetimeFigureOut">
               <a:rPr lang="en-AU" smtClean="0"/>
-              <a:t>7/09/2017</a:t>
+              <a:t>8/09/2017</a:t>
             </a:fld>
             <a:endParaRPr lang="en-AU"/>
           </a:p>
@@ -773,7 +770,7 @@
           <a:p>
             <a:fld id="{5B4268EA-73F9-4955-9E64-2FD477901B09}" type="datetimeFigureOut">
               <a:rPr lang="en-AU" smtClean="0"/>
-              <a:t>7/09/2017</a:t>
+              <a:t>8/09/2017</a:t>
             </a:fld>
             <a:endParaRPr lang="en-AU"/>
           </a:p>
@@ -1019,7 +1016,7 @@
           <a:p>
             <a:fld id="{5B4268EA-73F9-4955-9E64-2FD477901B09}" type="datetimeFigureOut">
               <a:rPr lang="en-AU" smtClean="0"/>
-              <a:t>7/09/2017</a:t>
+              <a:t>8/09/2017</a:t>
             </a:fld>
             <a:endParaRPr lang="en-AU"/>
           </a:p>
@@ -1251,7 +1248,7 @@
           <a:p>
             <a:fld id="{5B4268EA-73F9-4955-9E64-2FD477901B09}" type="datetimeFigureOut">
               <a:rPr lang="en-AU" smtClean="0"/>
-              <a:t>7/09/2017</a:t>
+              <a:t>8/09/2017</a:t>
             </a:fld>
             <a:endParaRPr lang="en-AU"/>
           </a:p>
@@ -1618,7 +1615,7 @@
           <a:p>
             <a:fld id="{5B4268EA-73F9-4955-9E64-2FD477901B09}" type="datetimeFigureOut">
               <a:rPr lang="en-AU" smtClean="0"/>
-              <a:t>7/09/2017</a:t>
+              <a:t>8/09/2017</a:t>
             </a:fld>
             <a:endParaRPr lang="en-AU"/>
           </a:p>
@@ -1736,7 +1733,7 @@
           <a:p>
             <a:fld id="{5B4268EA-73F9-4955-9E64-2FD477901B09}" type="datetimeFigureOut">
               <a:rPr lang="en-AU" smtClean="0"/>
-              <a:t>7/09/2017</a:t>
+              <a:t>8/09/2017</a:t>
             </a:fld>
             <a:endParaRPr lang="en-AU"/>
           </a:p>
@@ -1831,7 +1828,7 @@
           <a:p>
             <a:fld id="{5B4268EA-73F9-4955-9E64-2FD477901B09}" type="datetimeFigureOut">
               <a:rPr lang="en-AU" smtClean="0"/>
-              <a:t>7/09/2017</a:t>
+              <a:t>8/09/2017</a:t>
             </a:fld>
             <a:endParaRPr lang="en-AU"/>
           </a:p>
@@ -2108,7 +2105,7 @@
           <a:p>
             <a:fld id="{5B4268EA-73F9-4955-9E64-2FD477901B09}" type="datetimeFigureOut">
               <a:rPr lang="en-AU" smtClean="0"/>
-              <a:t>7/09/2017</a:t>
+              <a:t>8/09/2017</a:t>
             </a:fld>
             <a:endParaRPr lang="en-AU"/>
           </a:p>
@@ -2361,7 +2358,7 @@
           <a:p>
             <a:fld id="{5B4268EA-73F9-4955-9E64-2FD477901B09}" type="datetimeFigureOut">
               <a:rPr lang="en-AU" smtClean="0"/>
-              <a:t>7/09/2017</a:t>
+              <a:t>8/09/2017</a:t>
             </a:fld>
             <a:endParaRPr lang="en-AU"/>
           </a:p>
@@ -2574,7 +2571,7 @@
           <a:p>
             <a:fld id="{5B4268EA-73F9-4955-9E64-2FD477901B09}" type="datetimeFigureOut">
               <a:rPr lang="en-AU" smtClean="0"/>
-              <a:t>7/09/2017</a:t>
+              <a:t>8/09/2017</a:t>
             </a:fld>
             <a:endParaRPr lang="en-AU"/>
           </a:p>
@@ -3556,7 +3553,7 @@
             <a:pPr algn="ctr"/>
             <a:r>
               <a:rPr lang="en-AU" sz="2800" dirty="0"/>
-              <a:t>Edit students details</a:t>
+              <a:t>Notification</a:t>
             </a:r>
           </a:p>
         </p:txBody>
@@ -3615,16 +3612,109 @@
                   <a:schemeClr val="tx1"/>
                 </a:solidFill>
               </a:rPr>
-              <a:t>As the tutor, I want to be able to add and to delete a student in case of late enrollment or withdrawal this unit.</a:t>
-            </a:r>
-            <a:endParaRPr lang="en-AU" altLang="ko-KR" sz="2400" dirty="0">
+              <a:t>As</a:t>
+            </a:r>
+            <a:r>
+              <a:rPr lang="ko-KR" altLang="en-US" sz="2400" dirty="0">
+                <a:solidFill>
+                  <a:schemeClr val="tx1"/>
+                </a:solidFill>
+              </a:rPr>
+              <a:t> </a:t>
+            </a:r>
+            <a:r>
+              <a:rPr lang="en-US" altLang="ko-KR" sz="2400" dirty="0">
+                <a:solidFill>
+                  <a:schemeClr val="tx1"/>
+                </a:solidFill>
+              </a:rPr>
+              <a:t>the</a:t>
+            </a:r>
+            <a:r>
+              <a:rPr lang="ko-KR" altLang="en-US" sz="2400" dirty="0">
+                <a:solidFill>
+                  <a:schemeClr val="tx1"/>
+                </a:solidFill>
+              </a:rPr>
+              <a:t> </a:t>
+            </a:r>
+            <a:r>
+              <a:rPr lang="en-US" altLang="ko-KR" sz="2400" dirty="0">
+                <a:solidFill>
+                  <a:schemeClr val="tx1"/>
+                </a:solidFill>
+              </a:rPr>
+              <a:t>tutor,</a:t>
+            </a:r>
+            <a:r>
+              <a:rPr lang="ko-KR" altLang="en-US" sz="2400" dirty="0">
+                <a:solidFill>
+                  <a:schemeClr val="tx1"/>
+                </a:solidFill>
+              </a:rPr>
+              <a:t> </a:t>
+            </a:r>
+            <a:r>
+              <a:rPr lang="en-US" altLang="ko-KR" sz="2400" dirty="0">
+                <a:solidFill>
+                  <a:schemeClr val="tx1"/>
+                </a:solidFill>
+              </a:rPr>
+              <a:t>I</a:t>
+            </a:r>
+            <a:r>
+              <a:rPr lang="ko-KR" altLang="en-US" sz="2400" dirty="0">
+                <a:solidFill>
+                  <a:schemeClr val="tx1"/>
+                </a:solidFill>
+              </a:rPr>
+              <a:t> </a:t>
+            </a:r>
+            <a:r>
+              <a:rPr lang="en-US" altLang="ko-KR" sz="2400" dirty="0">
+                <a:solidFill>
+                  <a:schemeClr val="tx1"/>
+                </a:solidFill>
+              </a:rPr>
+              <a:t>want</a:t>
+            </a:r>
+            <a:r>
+              <a:rPr lang="ko-KR" altLang="en-US" sz="2400" dirty="0">
+                <a:solidFill>
+                  <a:schemeClr val="tx1"/>
+                </a:solidFill>
+              </a:rPr>
+              <a:t> </a:t>
+            </a:r>
+            <a:r>
+              <a:rPr lang="en-US" altLang="ko-KR" sz="2400" dirty="0">
+                <a:solidFill>
+                  <a:schemeClr val="tx1"/>
+                </a:solidFill>
+              </a:rPr>
+              <a:t>to</a:t>
+            </a:r>
+            <a:r>
+              <a:rPr lang="ko-KR" altLang="en-US" sz="2400" dirty="0">
+                <a:solidFill>
+                  <a:schemeClr val="tx1"/>
+                </a:solidFill>
+              </a:rPr>
+              <a:t> </a:t>
+            </a:r>
+            <a:r>
+              <a:rPr lang="en-US" altLang="ko-KR" sz="2400" dirty="0">
+                <a:solidFill>
+                  <a:schemeClr val="tx1"/>
+                </a:solidFill>
+              </a:rPr>
+              <a:t>be able to put information about the groups have to fix for them after meeting. </a:t>
+            </a:r>
+            <a:endParaRPr lang="en-AU" sz="2400" dirty="0">
               <a:solidFill>
                 <a:schemeClr val="tx1"/>
               </a:solidFill>
             </a:endParaRPr>
-          </a:p>
-          <a:p>
-            <a:endParaRPr lang="en-AU" altLang="ko-KR" sz="2400" dirty="0"/>
           </a:p>
         </p:txBody>
       </p:sp>
@@ -3677,12 +3767,26 @@
           <a:lstStyle/>
           <a:p>
             <a:r>
-              <a:rPr lang="en-AU" altLang="ko-KR" sz="2000" dirty="0">
+              <a:rPr lang="en-AU" sz="2000" dirty="0">
                 <a:solidFill>
                   <a:schemeClr val="tx1"/>
                 </a:solidFill>
               </a:rPr>
               <a:t>Acceptance Criteria</a:t>
+            </a:r>
+          </a:p>
+          <a:p>
+            <a:pPr marL="179388" indent="-179388">
+              <a:buFont typeface="Arial" pitchFamily="34" charset="0"/>
+              <a:buChar char="•"/>
+            </a:pPr>
+            <a:r>
+              <a:rPr lang="en-AU" altLang="ko-KR" sz="2000" dirty="0">
+                <a:solidFill>
+                  <a:schemeClr val="tx1"/>
+                </a:solidFill>
+              </a:rPr>
+              <a:t>Add a function that will add things that the group has to fix.</a:t>
             </a:r>
           </a:p>
           <a:p>
@@ -3889,7 +3993,7 @@
                   <a:schemeClr val="tx1"/>
                 </a:solidFill>
               </a:rPr>
-              <a:t> </a:t>
+              <a:t> Will decide whether this function is needed as we develop</a:t>
             </a:r>
           </a:p>
         </p:txBody>
@@ -3897,7 +4001,7 @@
     </p:spTree>
     <p:extLst>
       <p:ext uri="{BB962C8B-B14F-4D97-AF65-F5344CB8AC3E}">
-        <p14:creationId xmlns:p14="http://schemas.microsoft.com/office/powerpoint/2010/main" val="4052645052"/>
+        <p14:creationId xmlns:p14="http://schemas.microsoft.com/office/powerpoint/2010/main" val="1620574207"/>
       </p:ext>
     </p:extLst>
   </p:cSld>
@@ -4029,7 +4133,7 @@
             <a:pPr algn="ctr"/>
             <a:r>
               <a:rPr lang="en-AU" sz="2800" dirty="0"/>
-              <a:t>Notification</a:t>
+              <a:t>Complaint</a:t>
             </a:r>
           </a:p>
         </p:txBody>
@@ -4088,104 +4192,15 @@
                   <a:schemeClr val="tx1"/>
                 </a:solidFill>
               </a:rPr>
-              <a:t>As</a:t>
-            </a:r>
-            <a:r>
-              <a:rPr lang="ko-KR" altLang="en-US" sz="2400" dirty="0">
-                <a:solidFill>
-                  <a:schemeClr val="tx1"/>
-                </a:solidFill>
-              </a:rPr>
-              <a:t> </a:t>
-            </a:r>
-            <a:r>
-              <a:rPr lang="en-US" altLang="ko-KR" sz="2400" dirty="0">
-                <a:solidFill>
-                  <a:schemeClr val="tx1"/>
-                </a:solidFill>
-              </a:rPr>
-              <a:t>the</a:t>
-            </a:r>
-            <a:r>
-              <a:rPr lang="ko-KR" altLang="en-US" sz="2400" dirty="0">
-                <a:solidFill>
-                  <a:schemeClr val="tx1"/>
-                </a:solidFill>
-              </a:rPr>
-              <a:t> </a:t>
-            </a:r>
-            <a:r>
-              <a:rPr lang="en-US" altLang="ko-KR" sz="2400" dirty="0">
-                <a:solidFill>
-                  <a:schemeClr val="tx1"/>
-                </a:solidFill>
-              </a:rPr>
-              <a:t>tutor,</a:t>
-            </a:r>
-            <a:r>
-              <a:rPr lang="ko-KR" altLang="en-US" sz="2400" dirty="0">
-                <a:solidFill>
-                  <a:schemeClr val="tx1"/>
-                </a:solidFill>
-              </a:rPr>
-              <a:t> </a:t>
-            </a:r>
-            <a:r>
-              <a:rPr lang="en-US" altLang="ko-KR" sz="2400" dirty="0">
-                <a:solidFill>
-                  <a:schemeClr val="tx1"/>
-                </a:solidFill>
-              </a:rPr>
-              <a:t>I</a:t>
-            </a:r>
-            <a:r>
-              <a:rPr lang="ko-KR" altLang="en-US" sz="2400" dirty="0">
-                <a:solidFill>
-                  <a:schemeClr val="tx1"/>
-                </a:solidFill>
-              </a:rPr>
-              <a:t> </a:t>
-            </a:r>
-            <a:r>
-              <a:rPr lang="en-US" altLang="ko-KR" sz="2400" dirty="0">
-                <a:solidFill>
-                  <a:schemeClr val="tx1"/>
-                </a:solidFill>
-              </a:rPr>
-              <a:t>want</a:t>
-            </a:r>
-            <a:r>
-              <a:rPr lang="ko-KR" altLang="en-US" sz="2400" dirty="0">
-                <a:solidFill>
-                  <a:schemeClr val="tx1"/>
-                </a:solidFill>
-              </a:rPr>
-              <a:t> </a:t>
-            </a:r>
-            <a:r>
-              <a:rPr lang="en-US" altLang="ko-KR" sz="2400" dirty="0">
-                <a:solidFill>
-                  <a:schemeClr val="tx1"/>
-                </a:solidFill>
-              </a:rPr>
-              <a:t>to</a:t>
-            </a:r>
-            <a:r>
-              <a:rPr lang="ko-KR" altLang="en-US" sz="2400" dirty="0">
-                <a:solidFill>
-                  <a:schemeClr val="tx1"/>
-                </a:solidFill>
-              </a:rPr>
-              <a:t> </a:t>
-            </a:r>
-            <a:r>
-              <a:rPr lang="en-US" altLang="ko-KR" sz="2400" dirty="0">
-                <a:solidFill>
-                  <a:schemeClr val="tx1"/>
-                </a:solidFill>
-              </a:rPr>
-              <a:t>be able to put information about the groups have to fix for them after meeting. </a:t>
-            </a:r>
+              <a:t>As the tutor, I want to know group member’s complaint and answer about it.</a:t>
+            </a:r>
+            <a:endParaRPr lang="ko-KR" altLang="en-US" sz="2400" dirty="0">
+              <a:solidFill>
+                <a:schemeClr val="tx1"/>
+              </a:solidFill>
+            </a:endParaRPr>
+          </a:p>
+          <a:p>
             <a:endParaRPr lang="en-AU" sz="2400" dirty="0">
               <a:solidFill>
                 <a:schemeClr val="tx1"/>
@@ -4252,20 +4267,32 @@
             </a:r>
           </a:p>
           <a:p>
-            <a:pPr marL="179388" indent="-179388">
-              <a:buFont typeface="Arial" pitchFamily="34" charset="0"/>
+            <a:pPr marL="342900" indent="-342900">
+              <a:buFont typeface="Arial" panose="020B0604020202020204" pitchFamily="34" charset="0"/>
               <a:buChar char="•"/>
             </a:pPr>
             <a:r>
+              <a:rPr lang="en-AU" sz="2000" dirty="0">
+                <a:solidFill>
+                  <a:schemeClr val="tx1"/>
+                </a:solidFill>
+              </a:rPr>
+              <a:t>The tutor should be able to know group member’s complaint </a:t>
+            </a:r>
+          </a:p>
+          <a:p>
+            <a:pPr marL="342900" indent="-342900">
+              <a:buFont typeface="Arial" panose="020B0604020202020204" pitchFamily="34" charset="0"/>
+              <a:buChar char="•"/>
+            </a:pPr>
+            <a:r>
               <a:rPr lang="en-AU" altLang="ko-KR" sz="2000" dirty="0">
                 <a:solidFill>
                   <a:schemeClr val="tx1"/>
                 </a:solidFill>
               </a:rPr>
-              <a:t>Add a function that will add things that the group has to fix.</a:t>
-            </a:r>
-          </a:p>
-          <a:p>
+              <a:t>Only tutor and student who post complaints can discuss each other. </a:t>
+            </a:r>
             <a:endParaRPr lang="en-AU" sz="2000" dirty="0">
               <a:solidFill>
                 <a:schemeClr val="tx1"/>
@@ -4412,483 +4439,6 @@
         </p:nvSpPr>
         <p:spPr>
           <a:xfrm>
-            <a:off x="1182153" y="5128590"/>
-            <a:ext cx="9828000" cy="1620000"/>
-          </a:xfrm>
-          <a:prstGeom prst="rect">
-            <a:avLst/>
-          </a:prstGeom>
-          <a:solidFill>
-            <a:schemeClr val="bg1"/>
-          </a:solidFill>
-          <a:ln>
-            <a:solidFill>
-              <a:schemeClr val="accent1">
-                <a:lumMod val="50000"/>
-              </a:schemeClr>
-            </a:solidFill>
-          </a:ln>
-        </p:spPr>
-        <p:style>
-          <a:lnRef idx="2">
-            <a:schemeClr val="accent1">
-              <a:shade val="50000"/>
-            </a:schemeClr>
-          </a:lnRef>
-          <a:fillRef idx="1">
-            <a:schemeClr val="accent1"/>
-          </a:fillRef>
-          <a:effectRef idx="0">
-            <a:schemeClr val="accent1"/>
-          </a:effectRef>
-          <a:fontRef idx="minor">
-            <a:schemeClr val="lt1"/>
-          </a:fontRef>
-        </p:style>
-        <p:txBody>
-          <a:bodyPr tIns="36000" rtlCol="0" anchor="t" anchorCtr="0"/>
-          <a:lstStyle/>
-          <a:p>
-            <a:r>
-              <a:rPr lang="en-AU" sz="2000" dirty="0">
-                <a:solidFill>
-                  <a:schemeClr val="tx1"/>
-                </a:solidFill>
-              </a:rPr>
-              <a:t>Notes</a:t>
-            </a:r>
-          </a:p>
-          <a:p>
-            <a:pPr marL="179388" indent="-179388">
-              <a:buFont typeface="Arial" pitchFamily="34" charset="0"/>
-              <a:buChar char="•"/>
-            </a:pPr>
-            <a:r>
-              <a:rPr lang="en-AU" sz="2000" dirty="0">
-                <a:solidFill>
-                  <a:schemeClr val="tx1"/>
-                </a:solidFill>
-              </a:rPr>
-              <a:t> Will decide whether this function is needed as we develop</a:t>
-            </a:r>
-          </a:p>
-        </p:txBody>
-      </p:sp>
-    </p:spTree>
-    <p:extLst>
-      <p:ext uri="{BB962C8B-B14F-4D97-AF65-F5344CB8AC3E}">
-        <p14:creationId xmlns:p14="http://schemas.microsoft.com/office/powerpoint/2010/main" val="1620574207"/>
-      </p:ext>
-    </p:extLst>
-  </p:cSld>
-  <p:clrMapOvr>
-    <a:masterClrMapping/>
-  </p:clrMapOvr>
-</p:sld>
-</file>
-
-<file path=ppt/slides/slide4.xml><?xml version="1.0" encoding="utf-8"?>
-<p:sld xmlns:a="http://schemas.openxmlformats.org/drawingml/2006/main" xmlns:r="http://schemas.openxmlformats.org/officeDocument/2006/relationships" xmlns:p="http://schemas.openxmlformats.org/presentationml/2006/main">
-  <p:cSld>
-    <p:spTree>
-      <p:nvGrpSpPr>
-        <p:cNvPr id="1" name=""/>
-        <p:cNvGrpSpPr/>
-        <p:nvPr/>
-      </p:nvGrpSpPr>
-      <p:grpSpPr>
-        <a:xfrm>
-          <a:off x="0" y="0"/>
-          <a:ext cx="0" cy="0"/>
-          <a:chOff x="0" y="0"/>
-          <a:chExt cx="0" cy="0"/>
-        </a:xfrm>
-      </p:grpSpPr>
-      <p:sp>
-        <p:nvSpPr>
-          <p:cNvPr id="4" name="Rectangle 3"/>
-          <p:cNvSpPr/>
-          <p:nvPr/>
-        </p:nvSpPr>
-        <p:spPr>
-          <a:xfrm>
-            <a:off x="1182153" y="109410"/>
-            <a:ext cx="720000" cy="540000"/>
-          </a:xfrm>
-          <a:prstGeom prst="rect">
-            <a:avLst/>
-          </a:prstGeom>
-          <a:solidFill>
-            <a:schemeClr val="accent1">
-              <a:lumMod val="40000"/>
-              <a:lumOff val="60000"/>
-            </a:schemeClr>
-          </a:solidFill>
-          <a:ln>
-            <a:solidFill>
-              <a:schemeClr val="accent1">
-                <a:lumMod val="50000"/>
-              </a:schemeClr>
-            </a:solidFill>
-          </a:ln>
-        </p:spPr>
-        <p:style>
-          <a:lnRef idx="2">
-            <a:schemeClr val="accent1">
-              <a:shade val="50000"/>
-            </a:schemeClr>
-          </a:lnRef>
-          <a:fillRef idx="1">
-            <a:schemeClr val="accent1"/>
-          </a:fillRef>
-          <a:effectRef idx="0">
-            <a:schemeClr val="accent1"/>
-          </a:effectRef>
-          <a:fontRef idx="minor">
-            <a:schemeClr val="lt1"/>
-          </a:fontRef>
-        </p:style>
-        <p:txBody>
-          <a:bodyPr wrap="square" lIns="0" rIns="0" rtlCol="0" anchor="ctr"/>
-          <a:lstStyle/>
-          <a:p>
-            <a:pPr algn="ctr"/>
-            <a:r>
-              <a:rPr lang="en-AU" sz="2000" dirty="0">
-                <a:solidFill>
-                  <a:schemeClr val="tx1"/>
-                </a:solidFill>
-              </a:rPr>
-              <a:t>Story ID </a:t>
-            </a:r>
-          </a:p>
-        </p:txBody>
-      </p:sp>
-      <p:sp>
-        <p:nvSpPr>
-          <p:cNvPr id="6" name="Rectangle 5"/>
-          <p:cNvSpPr/>
-          <p:nvPr/>
-        </p:nvSpPr>
-        <p:spPr>
-          <a:xfrm>
-            <a:off x="1974153" y="118150"/>
-            <a:ext cx="7380000" cy="540000"/>
-          </a:xfrm>
-          <a:prstGeom prst="rect">
-            <a:avLst/>
-          </a:prstGeom>
-          <a:ln>
-            <a:solidFill>
-              <a:schemeClr val="accent1">
-                <a:lumMod val="50000"/>
-              </a:schemeClr>
-            </a:solidFill>
-          </a:ln>
-        </p:spPr>
-        <p:style>
-          <a:lnRef idx="2">
-            <a:schemeClr val="accent1">
-              <a:shade val="50000"/>
-            </a:schemeClr>
-          </a:lnRef>
-          <a:fillRef idx="1">
-            <a:schemeClr val="accent1"/>
-          </a:fillRef>
-          <a:effectRef idx="0">
-            <a:schemeClr val="accent1"/>
-          </a:effectRef>
-          <a:fontRef idx="minor">
-            <a:schemeClr val="lt1"/>
-          </a:fontRef>
-        </p:style>
-        <p:txBody>
-          <a:bodyPr rtlCol="0" anchor="ctr"/>
-          <a:lstStyle/>
-          <a:p>
-            <a:pPr algn="ctr"/>
-            <a:r>
-              <a:rPr lang="en-AU" sz="2800" dirty="0"/>
-              <a:t>Checking attendance</a:t>
-            </a:r>
-          </a:p>
-        </p:txBody>
-      </p:sp>
-      <p:sp>
-        <p:nvSpPr>
-          <p:cNvPr id="7" name="Rectangle 6"/>
-          <p:cNvSpPr/>
-          <p:nvPr/>
-        </p:nvSpPr>
-        <p:spPr>
-          <a:xfrm>
-            <a:off x="1182153" y="822470"/>
-            <a:ext cx="9828000" cy="2340000"/>
-          </a:xfrm>
-          <a:prstGeom prst="rect">
-            <a:avLst/>
-          </a:prstGeom>
-          <a:solidFill>
-            <a:schemeClr val="tx2">
-              <a:lumMod val="20000"/>
-              <a:lumOff val="80000"/>
-            </a:schemeClr>
-          </a:solidFill>
-          <a:ln>
-            <a:solidFill>
-              <a:schemeClr val="accent1">
-                <a:lumMod val="50000"/>
-              </a:schemeClr>
-            </a:solidFill>
-          </a:ln>
-        </p:spPr>
-        <p:style>
-          <a:lnRef idx="2">
-            <a:schemeClr val="accent1">
-              <a:shade val="50000"/>
-            </a:schemeClr>
-          </a:lnRef>
-          <a:fillRef idx="1">
-            <a:schemeClr val="accent1"/>
-          </a:fillRef>
-          <a:effectRef idx="0">
-            <a:schemeClr val="accent1"/>
-          </a:effectRef>
-          <a:fontRef idx="minor">
-            <a:schemeClr val="lt1"/>
-          </a:fontRef>
-        </p:style>
-        <p:txBody>
-          <a:bodyPr rtlCol="0" anchor="t" anchorCtr="0"/>
-          <a:lstStyle/>
-          <a:p>
-            <a:r>
-              <a:rPr lang="en-US" altLang="ko-KR" sz="2400" dirty="0">
-                <a:solidFill>
-                  <a:schemeClr val="tx1"/>
-                </a:solidFill>
-              </a:rPr>
-              <a:t>As the tutor, I want to be able to check a student’s attendance</a:t>
-            </a:r>
-            <a:endParaRPr lang="en-AU" sz="2400" dirty="0">
-              <a:solidFill>
-                <a:schemeClr val="tx1"/>
-              </a:solidFill>
-            </a:endParaRPr>
-          </a:p>
-        </p:txBody>
-      </p:sp>
-      <p:sp>
-        <p:nvSpPr>
-          <p:cNvPr id="8" name="Rectangle 7"/>
-          <p:cNvSpPr/>
-          <p:nvPr/>
-        </p:nvSpPr>
-        <p:spPr>
-          <a:xfrm>
-            <a:off x="1182153" y="3335530"/>
-            <a:ext cx="9828000" cy="1620000"/>
-          </a:xfrm>
-          <a:prstGeom prst="rect">
-            <a:avLst/>
-          </a:prstGeom>
-          <a:solidFill>
-            <a:schemeClr val="accent1">
-              <a:lumMod val="20000"/>
-              <a:lumOff val="80000"/>
-            </a:schemeClr>
-          </a:solidFill>
-          <a:ln>
-            <a:solidFill>
-              <a:schemeClr val="accent1">
-                <a:lumMod val="50000"/>
-              </a:schemeClr>
-            </a:solidFill>
-          </a:ln>
-        </p:spPr>
-        <p:style>
-          <a:lnRef idx="2">
-            <a:schemeClr val="accent1">
-              <a:shade val="50000"/>
-            </a:schemeClr>
-          </a:lnRef>
-          <a:fillRef idx="1">
-            <a:schemeClr val="accent1"/>
-          </a:fillRef>
-          <a:effectRef idx="0">
-            <a:schemeClr val="accent1"/>
-          </a:effectRef>
-          <a:fontRef idx="minor">
-            <a:schemeClr val="lt1"/>
-          </a:fontRef>
-        </p:style>
-        <p:txBody>
-          <a:bodyPr tIns="36000" rtlCol="0" anchor="t" anchorCtr="0"/>
-          <a:lstStyle/>
-          <a:p>
-            <a:r>
-              <a:rPr lang="en-AU" sz="2000" dirty="0">
-                <a:solidFill>
-                  <a:schemeClr val="tx1"/>
-                </a:solidFill>
-              </a:rPr>
-              <a:t>Acceptance Criteria</a:t>
-            </a:r>
-          </a:p>
-          <a:p>
-            <a:pPr marL="342900" indent="-342900">
-              <a:buFont typeface="Arial" panose="020B0604020202020204" pitchFamily="34" charset="0"/>
-              <a:buChar char="•"/>
-            </a:pPr>
-            <a:r>
-              <a:rPr lang="en-AU" sz="2000" dirty="0">
-                <a:solidFill>
-                  <a:schemeClr val="tx1"/>
-                </a:solidFill>
-              </a:rPr>
-              <a:t>The tutor should be able to check remove the student’s attendance on website.</a:t>
-            </a:r>
-          </a:p>
-        </p:txBody>
-      </p:sp>
-      <p:sp>
-        <p:nvSpPr>
-          <p:cNvPr id="11" name="Rectangle 10"/>
-          <p:cNvSpPr/>
-          <p:nvPr/>
-        </p:nvSpPr>
-        <p:spPr>
-          <a:xfrm>
-            <a:off x="10290153" y="109410"/>
-            <a:ext cx="720000" cy="540000"/>
-          </a:xfrm>
-          <a:prstGeom prst="rect">
-            <a:avLst/>
-          </a:prstGeom>
-          <a:solidFill>
-            <a:srgbClr val="CCF0CD">
-              <a:alpha val="20000"/>
-            </a:srgbClr>
-          </a:solidFill>
-          <a:ln>
-            <a:solidFill>
-              <a:schemeClr val="accent1">
-                <a:lumMod val="50000"/>
-              </a:schemeClr>
-            </a:solidFill>
-          </a:ln>
-        </p:spPr>
-        <p:style>
-          <a:lnRef idx="2">
-            <a:schemeClr val="accent1">
-              <a:shade val="50000"/>
-            </a:schemeClr>
-          </a:lnRef>
-          <a:fillRef idx="1">
-            <a:schemeClr val="accent1"/>
-          </a:fillRef>
-          <a:effectRef idx="0">
-            <a:schemeClr val="accent1"/>
-          </a:effectRef>
-          <a:fontRef idx="minor">
-            <a:schemeClr val="lt1"/>
-          </a:fontRef>
-        </p:style>
-        <p:txBody>
-          <a:bodyPr wrap="square" lIns="0" rIns="0" rtlCol="0" anchor="ctr"/>
-          <a:lstStyle/>
-          <a:p>
-            <a:pPr algn="ctr"/>
-            <a:r>
-              <a:rPr lang="en-AU" sz="2000" dirty="0">
-                <a:solidFill>
-                  <a:schemeClr val="tx1"/>
-                </a:solidFill>
-              </a:rPr>
-              <a:t>Story Points</a:t>
-            </a:r>
-          </a:p>
-        </p:txBody>
-      </p:sp>
-      <p:sp>
-        <p:nvSpPr>
-          <p:cNvPr id="12" name="Rectangle 11"/>
-          <p:cNvSpPr/>
-          <p:nvPr/>
-        </p:nvSpPr>
-        <p:spPr>
-          <a:xfrm>
-            <a:off x="9426153" y="109410"/>
-            <a:ext cx="792000" cy="540000"/>
-          </a:xfrm>
-          <a:prstGeom prst="rect">
-            <a:avLst/>
-          </a:prstGeom>
-          <a:solidFill>
-            <a:schemeClr val="accent4">
-              <a:lumMod val="20000"/>
-              <a:lumOff val="80000"/>
-            </a:schemeClr>
-          </a:solidFill>
-          <a:ln>
-            <a:solidFill>
-              <a:schemeClr val="accent1">
-                <a:lumMod val="50000"/>
-              </a:schemeClr>
-            </a:solidFill>
-          </a:ln>
-        </p:spPr>
-        <p:style>
-          <a:lnRef idx="2">
-            <a:schemeClr val="accent1">
-              <a:shade val="50000"/>
-            </a:schemeClr>
-          </a:lnRef>
-          <a:fillRef idx="1">
-            <a:schemeClr val="accent1"/>
-          </a:fillRef>
-          <a:effectRef idx="0">
-            <a:schemeClr val="accent1"/>
-          </a:effectRef>
-          <a:fontRef idx="minor">
-            <a:schemeClr val="lt1"/>
-          </a:fontRef>
-        </p:style>
-        <p:txBody>
-          <a:bodyPr wrap="none" lIns="0" rIns="0" rtlCol="0" anchor="ctr"/>
-          <a:lstStyle/>
-          <a:p>
-            <a:pPr algn="ctr"/>
-            <a:r>
-              <a:rPr lang="en-AU" sz="2000" dirty="0">
-                <a:solidFill>
-                  <a:schemeClr val="tx1"/>
-                </a:solidFill>
-              </a:rPr>
-              <a:t>Priority</a:t>
-            </a:r>
-          </a:p>
-          <a:p>
-            <a:pPr algn="ctr"/>
-            <a:r>
-              <a:rPr lang="en-AU" sz="2000" dirty="0">
-                <a:solidFill>
-                  <a:schemeClr val="tx1"/>
-                </a:solidFill>
-              </a:rPr>
-              <a:t>M</a:t>
-            </a:r>
-          </a:p>
-        </p:txBody>
-      </p:sp>
-      <p:sp>
-        <p:nvSpPr>
-          <p:cNvPr id="13" name="Rectangle 12"/>
-          <p:cNvSpPr/>
-          <p:nvPr/>
-        </p:nvSpPr>
-        <p:spPr>
-          <a:xfrm>
             <a:off x="1182153" y="5068205"/>
             <a:ext cx="9828000" cy="1620000"/>
           </a:xfrm>
@@ -4946,1000 +4496,6 @@
                   <a:schemeClr val="tx1"/>
                 </a:solidFill>
               </a:rPr>
-              <a:t> This page will show  specific tutor and group.</a:t>
-            </a:r>
-          </a:p>
-        </p:txBody>
-      </p:sp>
-    </p:spTree>
-    <p:extLst>
-      <p:ext uri="{BB962C8B-B14F-4D97-AF65-F5344CB8AC3E}">
-        <p14:creationId xmlns:p14="http://schemas.microsoft.com/office/powerpoint/2010/main" val="1796875348"/>
-      </p:ext>
-    </p:extLst>
-  </p:cSld>
-  <p:clrMapOvr>
-    <a:masterClrMapping/>
-  </p:clrMapOvr>
-</p:sld>
-</file>
-
-<file path=ppt/slides/slide5.xml><?xml version="1.0" encoding="utf-8"?>
-<p:sld xmlns:a="http://schemas.openxmlformats.org/drawingml/2006/main" xmlns:r="http://schemas.openxmlformats.org/officeDocument/2006/relationships" xmlns:p="http://schemas.openxmlformats.org/presentationml/2006/main">
-  <p:cSld>
-    <p:spTree>
-      <p:nvGrpSpPr>
-        <p:cNvPr id="1" name=""/>
-        <p:cNvGrpSpPr/>
-        <p:nvPr/>
-      </p:nvGrpSpPr>
-      <p:grpSpPr>
-        <a:xfrm>
-          <a:off x="0" y="0"/>
-          <a:ext cx="0" cy="0"/>
-          <a:chOff x="0" y="0"/>
-          <a:chExt cx="0" cy="0"/>
-        </a:xfrm>
-      </p:grpSpPr>
-      <p:sp>
-        <p:nvSpPr>
-          <p:cNvPr id="4" name="Rectangle 3"/>
-          <p:cNvSpPr/>
-          <p:nvPr/>
-        </p:nvSpPr>
-        <p:spPr>
-          <a:xfrm>
-            <a:off x="1182153" y="109410"/>
-            <a:ext cx="720000" cy="540000"/>
-          </a:xfrm>
-          <a:prstGeom prst="rect">
-            <a:avLst/>
-          </a:prstGeom>
-          <a:solidFill>
-            <a:schemeClr val="accent1">
-              <a:lumMod val="40000"/>
-              <a:lumOff val="60000"/>
-            </a:schemeClr>
-          </a:solidFill>
-          <a:ln>
-            <a:solidFill>
-              <a:schemeClr val="accent1">
-                <a:lumMod val="50000"/>
-              </a:schemeClr>
-            </a:solidFill>
-          </a:ln>
-        </p:spPr>
-        <p:style>
-          <a:lnRef idx="2">
-            <a:schemeClr val="accent1">
-              <a:shade val="50000"/>
-            </a:schemeClr>
-          </a:lnRef>
-          <a:fillRef idx="1">
-            <a:schemeClr val="accent1"/>
-          </a:fillRef>
-          <a:effectRef idx="0">
-            <a:schemeClr val="accent1"/>
-          </a:effectRef>
-          <a:fontRef idx="minor">
-            <a:schemeClr val="lt1"/>
-          </a:fontRef>
-        </p:style>
-        <p:txBody>
-          <a:bodyPr wrap="square" lIns="0" rIns="0" rtlCol="0" anchor="ctr"/>
-          <a:lstStyle/>
-          <a:p>
-            <a:pPr algn="ctr"/>
-            <a:r>
-              <a:rPr lang="en-AU" sz="2000" dirty="0">
-                <a:solidFill>
-                  <a:schemeClr val="tx1"/>
-                </a:solidFill>
-              </a:rPr>
-              <a:t>Story ID </a:t>
-            </a:r>
-          </a:p>
-        </p:txBody>
-      </p:sp>
-      <p:sp>
-        <p:nvSpPr>
-          <p:cNvPr id="6" name="Rectangle 5"/>
-          <p:cNvSpPr/>
-          <p:nvPr/>
-        </p:nvSpPr>
-        <p:spPr>
-          <a:xfrm>
-            <a:off x="1974153" y="137718"/>
-            <a:ext cx="7380000" cy="540000"/>
-          </a:xfrm>
-          <a:prstGeom prst="rect">
-            <a:avLst/>
-          </a:prstGeom>
-          <a:ln>
-            <a:solidFill>
-              <a:schemeClr val="accent1">
-                <a:lumMod val="50000"/>
-              </a:schemeClr>
-            </a:solidFill>
-          </a:ln>
-        </p:spPr>
-        <p:style>
-          <a:lnRef idx="2">
-            <a:schemeClr val="accent1">
-              <a:shade val="50000"/>
-            </a:schemeClr>
-          </a:lnRef>
-          <a:fillRef idx="1">
-            <a:schemeClr val="accent1"/>
-          </a:fillRef>
-          <a:effectRef idx="0">
-            <a:schemeClr val="accent1"/>
-          </a:effectRef>
-          <a:fontRef idx="minor">
-            <a:schemeClr val="lt1"/>
-          </a:fontRef>
-        </p:style>
-        <p:txBody>
-          <a:bodyPr rtlCol="0" anchor="ctr"/>
-          <a:lstStyle/>
-          <a:p>
-            <a:pPr algn="ctr"/>
-            <a:r>
-              <a:rPr lang="en-AU" sz="2800" dirty="0"/>
-              <a:t>Q&amp;A</a:t>
-            </a:r>
-          </a:p>
-        </p:txBody>
-      </p:sp>
-      <p:sp>
-        <p:nvSpPr>
-          <p:cNvPr id="7" name="Rectangle 6"/>
-          <p:cNvSpPr/>
-          <p:nvPr/>
-        </p:nvSpPr>
-        <p:spPr>
-          <a:xfrm>
-            <a:off x="1182153" y="822470"/>
-            <a:ext cx="9828000" cy="2340000"/>
-          </a:xfrm>
-          <a:prstGeom prst="rect">
-            <a:avLst/>
-          </a:prstGeom>
-          <a:solidFill>
-            <a:schemeClr val="tx2">
-              <a:lumMod val="20000"/>
-              <a:lumOff val="80000"/>
-            </a:schemeClr>
-          </a:solidFill>
-          <a:ln>
-            <a:solidFill>
-              <a:schemeClr val="accent1">
-                <a:lumMod val="50000"/>
-              </a:schemeClr>
-            </a:solidFill>
-          </a:ln>
-        </p:spPr>
-        <p:style>
-          <a:lnRef idx="2">
-            <a:schemeClr val="accent1">
-              <a:shade val="50000"/>
-            </a:schemeClr>
-          </a:lnRef>
-          <a:fillRef idx="1">
-            <a:schemeClr val="accent1"/>
-          </a:fillRef>
-          <a:effectRef idx="0">
-            <a:schemeClr val="accent1"/>
-          </a:effectRef>
-          <a:fontRef idx="minor">
-            <a:schemeClr val="lt1"/>
-          </a:fontRef>
-        </p:style>
-        <p:txBody>
-          <a:bodyPr rtlCol="0" anchor="t" anchorCtr="0"/>
-          <a:lstStyle/>
-          <a:p>
-            <a:r>
-              <a:rPr lang="en-US" altLang="ko-KR" sz="2400" dirty="0">
-                <a:solidFill>
-                  <a:schemeClr val="tx1"/>
-                </a:solidFill>
-              </a:rPr>
-              <a:t>As the tutor, I want to answer students’ questions.</a:t>
-            </a:r>
-          </a:p>
-          <a:p>
-            <a:endParaRPr lang="en-AU" sz="2400" dirty="0">
-              <a:solidFill>
-                <a:schemeClr val="tx1"/>
-              </a:solidFill>
-            </a:endParaRPr>
-          </a:p>
-        </p:txBody>
-      </p:sp>
-      <p:sp>
-        <p:nvSpPr>
-          <p:cNvPr id="8" name="Rectangle 7"/>
-          <p:cNvSpPr/>
-          <p:nvPr/>
-        </p:nvSpPr>
-        <p:spPr>
-          <a:xfrm>
-            <a:off x="1182153" y="3335530"/>
-            <a:ext cx="9828000" cy="1620000"/>
-          </a:xfrm>
-          <a:prstGeom prst="rect">
-            <a:avLst/>
-          </a:prstGeom>
-          <a:solidFill>
-            <a:schemeClr val="accent1">
-              <a:lumMod val="20000"/>
-              <a:lumOff val="80000"/>
-            </a:schemeClr>
-          </a:solidFill>
-          <a:ln>
-            <a:solidFill>
-              <a:schemeClr val="accent1">
-                <a:lumMod val="50000"/>
-              </a:schemeClr>
-            </a:solidFill>
-          </a:ln>
-        </p:spPr>
-        <p:style>
-          <a:lnRef idx="2">
-            <a:schemeClr val="accent1">
-              <a:shade val="50000"/>
-            </a:schemeClr>
-          </a:lnRef>
-          <a:fillRef idx="1">
-            <a:schemeClr val="accent1"/>
-          </a:fillRef>
-          <a:effectRef idx="0">
-            <a:schemeClr val="accent1"/>
-          </a:effectRef>
-          <a:fontRef idx="minor">
-            <a:schemeClr val="lt1"/>
-          </a:fontRef>
-        </p:style>
-        <p:txBody>
-          <a:bodyPr tIns="36000" rtlCol="0" anchor="t" anchorCtr="0"/>
-          <a:lstStyle/>
-          <a:p>
-            <a:r>
-              <a:rPr lang="en-AU" sz="2000" dirty="0">
-                <a:solidFill>
-                  <a:schemeClr val="tx1"/>
-                </a:solidFill>
-              </a:rPr>
-              <a:t>Acceptance Criteria</a:t>
-            </a:r>
-          </a:p>
-          <a:p>
-            <a:pPr marL="342900" indent="-342900">
-              <a:buFont typeface="Arial" panose="020B0604020202020204" pitchFamily="34" charset="0"/>
-              <a:buChar char="•"/>
-            </a:pPr>
-            <a:r>
-              <a:rPr lang="en-AU" sz="2000" dirty="0">
-                <a:solidFill>
-                  <a:schemeClr val="tx1"/>
-                </a:solidFill>
-              </a:rPr>
-              <a:t>Add a function that will </a:t>
-            </a:r>
-            <a:r>
-              <a:rPr lang="en-AU" altLang="ko-KR" sz="2000" dirty="0">
-                <a:solidFill>
-                  <a:schemeClr val="tx1"/>
-                </a:solidFill>
-              </a:rPr>
-              <a:t>answer the groups questions and show the answers to all group members.</a:t>
-            </a:r>
-          </a:p>
-          <a:p>
-            <a:pPr marL="342900" indent="-342900">
-              <a:buFont typeface="Arial" panose="020B0604020202020204" pitchFamily="34" charset="0"/>
-              <a:buChar char="•"/>
-            </a:pPr>
-            <a:endParaRPr lang="en-AU" sz="2000" dirty="0">
-              <a:solidFill>
-                <a:schemeClr val="tx1"/>
-              </a:solidFill>
-            </a:endParaRPr>
-          </a:p>
-          <a:p>
-            <a:endParaRPr lang="en-AU" sz="2000" dirty="0">
-              <a:solidFill>
-                <a:schemeClr val="tx1"/>
-              </a:solidFill>
-            </a:endParaRPr>
-          </a:p>
-        </p:txBody>
-      </p:sp>
-      <p:sp>
-        <p:nvSpPr>
-          <p:cNvPr id="11" name="Rectangle 10"/>
-          <p:cNvSpPr/>
-          <p:nvPr/>
-        </p:nvSpPr>
-        <p:spPr>
-          <a:xfrm>
-            <a:off x="10290153" y="109410"/>
-            <a:ext cx="720000" cy="540000"/>
-          </a:xfrm>
-          <a:prstGeom prst="rect">
-            <a:avLst/>
-          </a:prstGeom>
-          <a:solidFill>
-            <a:srgbClr val="CCF0CD">
-              <a:alpha val="20000"/>
-            </a:srgbClr>
-          </a:solidFill>
-          <a:ln>
-            <a:solidFill>
-              <a:schemeClr val="accent1">
-                <a:lumMod val="50000"/>
-              </a:schemeClr>
-            </a:solidFill>
-          </a:ln>
-        </p:spPr>
-        <p:style>
-          <a:lnRef idx="2">
-            <a:schemeClr val="accent1">
-              <a:shade val="50000"/>
-            </a:schemeClr>
-          </a:lnRef>
-          <a:fillRef idx="1">
-            <a:schemeClr val="accent1"/>
-          </a:fillRef>
-          <a:effectRef idx="0">
-            <a:schemeClr val="accent1"/>
-          </a:effectRef>
-          <a:fontRef idx="minor">
-            <a:schemeClr val="lt1"/>
-          </a:fontRef>
-        </p:style>
-        <p:txBody>
-          <a:bodyPr wrap="square" lIns="0" rIns="0" rtlCol="0" anchor="ctr"/>
-          <a:lstStyle/>
-          <a:p>
-            <a:pPr algn="ctr"/>
-            <a:r>
-              <a:rPr lang="en-AU" sz="2000" dirty="0">
-                <a:solidFill>
-                  <a:schemeClr val="tx1"/>
-                </a:solidFill>
-              </a:rPr>
-              <a:t>Story Points</a:t>
-            </a:r>
-          </a:p>
-        </p:txBody>
-      </p:sp>
-      <p:sp>
-        <p:nvSpPr>
-          <p:cNvPr id="12" name="Rectangle 11"/>
-          <p:cNvSpPr/>
-          <p:nvPr/>
-        </p:nvSpPr>
-        <p:spPr>
-          <a:xfrm>
-            <a:off x="9426153" y="109410"/>
-            <a:ext cx="792000" cy="540000"/>
-          </a:xfrm>
-          <a:prstGeom prst="rect">
-            <a:avLst/>
-          </a:prstGeom>
-          <a:solidFill>
-            <a:schemeClr val="accent4">
-              <a:lumMod val="20000"/>
-              <a:lumOff val="80000"/>
-            </a:schemeClr>
-          </a:solidFill>
-          <a:ln>
-            <a:solidFill>
-              <a:schemeClr val="accent1">
-                <a:lumMod val="50000"/>
-              </a:schemeClr>
-            </a:solidFill>
-          </a:ln>
-        </p:spPr>
-        <p:style>
-          <a:lnRef idx="2">
-            <a:schemeClr val="accent1">
-              <a:shade val="50000"/>
-            </a:schemeClr>
-          </a:lnRef>
-          <a:fillRef idx="1">
-            <a:schemeClr val="accent1"/>
-          </a:fillRef>
-          <a:effectRef idx="0">
-            <a:schemeClr val="accent1"/>
-          </a:effectRef>
-          <a:fontRef idx="minor">
-            <a:schemeClr val="lt1"/>
-          </a:fontRef>
-        </p:style>
-        <p:txBody>
-          <a:bodyPr wrap="none" lIns="0" rIns="0" rtlCol="0" anchor="ctr"/>
-          <a:lstStyle/>
-          <a:p>
-            <a:pPr algn="ctr"/>
-            <a:r>
-              <a:rPr lang="en-AU" sz="2000" dirty="0">
-                <a:solidFill>
-                  <a:schemeClr val="tx1"/>
-                </a:solidFill>
-              </a:rPr>
-              <a:t>Priority</a:t>
-            </a:r>
-          </a:p>
-          <a:p>
-            <a:pPr algn="ctr"/>
-            <a:r>
-              <a:rPr lang="en-AU" sz="2000" dirty="0">
-                <a:solidFill>
-                  <a:schemeClr val="tx1"/>
-                </a:solidFill>
-              </a:rPr>
-              <a:t>M</a:t>
-            </a:r>
-          </a:p>
-        </p:txBody>
-      </p:sp>
-      <p:sp>
-        <p:nvSpPr>
-          <p:cNvPr id="13" name="Rectangle 12"/>
-          <p:cNvSpPr/>
-          <p:nvPr/>
-        </p:nvSpPr>
-        <p:spPr>
-          <a:xfrm>
-            <a:off x="1182153" y="5128590"/>
-            <a:ext cx="9828000" cy="1620000"/>
-          </a:xfrm>
-          <a:prstGeom prst="rect">
-            <a:avLst/>
-          </a:prstGeom>
-          <a:solidFill>
-            <a:schemeClr val="bg1"/>
-          </a:solidFill>
-          <a:ln>
-            <a:solidFill>
-              <a:schemeClr val="accent1">
-                <a:lumMod val="50000"/>
-              </a:schemeClr>
-            </a:solidFill>
-          </a:ln>
-        </p:spPr>
-        <p:style>
-          <a:lnRef idx="2">
-            <a:schemeClr val="accent1">
-              <a:shade val="50000"/>
-            </a:schemeClr>
-          </a:lnRef>
-          <a:fillRef idx="1">
-            <a:schemeClr val="accent1"/>
-          </a:fillRef>
-          <a:effectRef idx="0">
-            <a:schemeClr val="accent1"/>
-          </a:effectRef>
-          <a:fontRef idx="minor">
-            <a:schemeClr val="lt1"/>
-          </a:fontRef>
-        </p:style>
-        <p:txBody>
-          <a:bodyPr tIns="36000" rtlCol="0" anchor="t" anchorCtr="0"/>
-          <a:lstStyle/>
-          <a:p>
-            <a:r>
-              <a:rPr lang="en-AU" sz="2000" dirty="0">
-                <a:solidFill>
-                  <a:schemeClr val="tx1"/>
-                </a:solidFill>
-              </a:rPr>
-              <a:t>Notes</a:t>
-            </a:r>
-          </a:p>
-        </p:txBody>
-      </p:sp>
-    </p:spTree>
-    <p:extLst>
-      <p:ext uri="{BB962C8B-B14F-4D97-AF65-F5344CB8AC3E}">
-        <p14:creationId xmlns:p14="http://schemas.microsoft.com/office/powerpoint/2010/main" val="276816726"/>
-      </p:ext>
-    </p:extLst>
-  </p:cSld>
-  <p:clrMapOvr>
-    <a:masterClrMapping/>
-  </p:clrMapOvr>
-</p:sld>
-</file>
-
-<file path=ppt/slides/slide6.xml><?xml version="1.0" encoding="utf-8"?>
-<p:sld xmlns:a="http://schemas.openxmlformats.org/drawingml/2006/main" xmlns:r="http://schemas.openxmlformats.org/officeDocument/2006/relationships" xmlns:p="http://schemas.openxmlformats.org/presentationml/2006/main">
-  <p:cSld>
-    <p:spTree>
-      <p:nvGrpSpPr>
-        <p:cNvPr id="1" name=""/>
-        <p:cNvGrpSpPr/>
-        <p:nvPr/>
-      </p:nvGrpSpPr>
-      <p:grpSpPr>
-        <a:xfrm>
-          <a:off x="0" y="0"/>
-          <a:ext cx="0" cy="0"/>
-          <a:chOff x="0" y="0"/>
-          <a:chExt cx="0" cy="0"/>
-        </a:xfrm>
-      </p:grpSpPr>
-      <p:sp>
-        <p:nvSpPr>
-          <p:cNvPr id="4" name="Rectangle 3"/>
-          <p:cNvSpPr/>
-          <p:nvPr/>
-        </p:nvSpPr>
-        <p:spPr>
-          <a:xfrm>
-            <a:off x="1182153" y="109410"/>
-            <a:ext cx="720000" cy="540000"/>
-          </a:xfrm>
-          <a:prstGeom prst="rect">
-            <a:avLst/>
-          </a:prstGeom>
-          <a:solidFill>
-            <a:schemeClr val="accent1">
-              <a:lumMod val="40000"/>
-              <a:lumOff val="60000"/>
-            </a:schemeClr>
-          </a:solidFill>
-          <a:ln>
-            <a:solidFill>
-              <a:schemeClr val="accent1">
-                <a:lumMod val="50000"/>
-              </a:schemeClr>
-            </a:solidFill>
-          </a:ln>
-        </p:spPr>
-        <p:style>
-          <a:lnRef idx="2">
-            <a:schemeClr val="accent1">
-              <a:shade val="50000"/>
-            </a:schemeClr>
-          </a:lnRef>
-          <a:fillRef idx="1">
-            <a:schemeClr val="accent1"/>
-          </a:fillRef>
-          <a:effectRef idx="0">
-            <a:schemeClr val="accent1"/>
-          </a:effectRef>
-          <a:fontRef idx="minor">
-            <a:schemeClr val="lt1"/>
-          </a:fontRef>
-        </p:style>
-        <p:txBody>
-          <a:bodyPr wrap="square" lIns="0" rIns="0" rtlCol="0" anchor="ctr"/>
-          <a:lstStyle/>
-          <a:p>
-            <a:pPr algn="ctr"/>
-            <a:r>
-              <a:rPr lang="en-AU" sz="2000" dirty="0">
-                <a:solidFill>
-                  <a:schemeClr val="tx1"/>
-                </a:solidFill>
-              </a:rPr>
-              <a:t>Story ID </a:t>
-            </a:r>
-          </a:p>
-        </p:txBody>
-      </p:sp>
-      <p:sp>
-        <p:nvSpPr>
-          <p:cNvPr id="6" name="Rectangle 5"/>
-          <p:cNvSpPr/>
-          <p:nvPr/>
-        </p:nvSpPr>
-        <p:spPr>
-          <a:xfrm>
-            <a:off x="1974153" y="109410"/>
-            <a:ext cx="7380000" cy="540000"/>
-          </a:xfrm>
-          <a:prstGeom prst="rect">
-            <a:avLst/>
-          </a:prstGeom>
-          <a:ln>
-            <a:solidFill>
-              <a:schemeClr val="accent1">
-                <a:lumMod val="50000"/>
-              </a:schemeClr>
-            </a:solidFill>
-          </a:ln>
-        </p:spPr>
-        <p:style>
-          <a:lnRef idx="2">
-            <a:schemeClr val="accent1">
-              <a:shade val="50000"/>
-            </a:schemeClr>
-          </a:lnRef>
-          <a:fillRef idx="1">
-            <a:schemeClr val="accent1"/>
-          </a:fillRef>
-          <a:effectRef idx="0">
-            <a:schemeClr val="accent1"/>
-          </a:effectRef>
-          <a:fontRef idx="minor">
-            <a:schemeClr val="lt1"/>
-          </a:fontRef>
-        </p:style>
-        <p:txBody>
-          <a:bodyPr rtlCol="0" anchor="ctr"/>
-          <a:lstStyle/>
-          <a:p>
-            <a:pPr algn="ctr"/>
-            <a:r>
-              <a:rPr lang="en-AU" sz="2800" dirty="0"/>
-              <a:t>Complaint</a:t>
-            </a:r>
-          </a:p>
-        </p:txBody>
-      </p:sp>
-      <p:sp>
-        <p:nvSpPr>
-          <p:cNvPr id="7" name="Rectangle 6"/>
-          <p:cNvSpPr/>
-          <p:nvPr/>
-        </p:nvSpPr>
-        <p:spPr>
-          <a:xfrm>
-            <a:off x="1182153" y="822470"/>
-            <a:ext cx="9828000" cy="2340000"/>
-          </a:xfrm>
-          <a:prstGeom prst="rect">
-            <a:avLst/>
-          </a:prstGeom>
-          <a:solidFill>
-            <a:schemeClr val="tx2">
-              <a:lumMod val="20000"/>
-              <a:lumOff val="80000"/>
-            </a:schemeClr>
-          </a:solidFill>
-          <a:ln>
-            <a:solidFill>
-              <a:schemeClr val="accent1">
-                <a:lumMod val="50000"/>
-              </a:schemeClr>
-            </a:solidFill>
-          </a:ln>
-        </p:spPr>
-        <p:style>
-          <a:lnRef idx="2">
-            <a:schemeClr val="accent1">
-              <a:shade val="50000"/>
-            </a:schemeClr>
-          </a:lnRef>
-          <a:fillRef idx="1">
-            <a:schemeClr val="accent1"/>
-          </a:fillRef>
-          <a:effectRef idx="0">
-            <a:schemeClr val="accent1"/>
-          </a:effectRef>
-          <a:fontRef idx="minor">
-            <a:schemeClr val="lt1"/>
-          </a:fontRef>
-        </p:style>
-        <p:txBody>
-          <a:bodyPr rtlCol="0" anchor="t" anchorCtr="0"/>
-          <a:lstStyle/>
-          <a:p>
-            <a:r>
-              <a:rPr lang="en-US" altLang="ko-KR" sz="2400" dirty="0">
-                <a:solidFill>
-                  <a:schemeClr val="tx1"/>
-                </a:solidFill>
-              </a:rPr>
-              <a:t>As the tutor, I want to know group member’s complaint and answer about it.</a:t>
-            </a:r>
-            <a:endParaRPr lang="ko-KR" altLang="en-US" sz="2400" dirty="0">
-              <a:solidFill>
-                <a:schemeClr val="tx1"/>
-              </a:solidFill>
-            </a:endParaRPr>
-          </a:p>
-          <a:p>
-            <a:endParaRPr lang="en-AU" sz="2400" dirty="0">
-              <a:solidFill>
-                <a:schemeClr val="tx1"/>
-              </a:solidFill>
-            </a:endParaRPr>
-          </a:p>
-        </p:txBody>
-      </p:sp>
-      <p:sp>
-        <p:nvSpPr>
-          <p:cNvPr id="8" name="Rectangle 7"/>
-          <p:cNvSpPr/>
-          <p:nvPr/>
-        </p:nvSpPr>
-        <p:spPr>
-          <a:xfrm>
-            <a:off x="1182153" y="3335530"/>
-            <a:ext cx="9828000" cy="1620000"/>
-          </a:xfrm>
-          <a:prstGeom prst="rect">
-            <a:avLst/>
-          </a:prstGeom>
-          <a:solidFill>
-            <a:schemeClr val="accent1">
-              <a:lumMod val="20000"/>
-              <a:lumOff val="80000"/>
-            </a:schemeClr>
-          </a:solidFill>
-          <a:ln>
-            <a:solidFill>
-              <a:schemeClr val="accent1">
-                <a:lumMod val="50000"/>
-              </a:schemeClr>
-            </a:solidFill>
-          </a:ln>
-        </p:spPr>
-        <p:style>
-          <a:lnRef idx="2">
-            <a:schemeClr val="accent1">
-              <a:shade val="50000"/>
-            </a:schemeClr>
-          </a:lnRef>
-          <a:fillRef idx="1">
-            <a:schemeClr val="accent1"/>
-          </a:fillRef>
-          <a:effectRef idx="0">
-            <a:schemeClr val="accent1"/>
-          </a:effectRef>
-          <a:fontRef idx="minor">
-            <a:schemeClr val="lt1"/>
-          </a:fontRef>
-        </p:style>
-        <p:txBody>
-          <a:bodyPr tIns="36000" rtlCol="0" anchor="t" anchorCtr="0"/>
-          <a:lstStyle/>
-          <a:p>
-            <a:r>
-              <a:rPr lang="en-AU" sz="2000" dirty="0">
-                <a:solidFill>
-                  <a:schemeClr val="tx1"/>
-                </a:solidFill>
-              </a:rPr>
-              <a:t>Acceptance Criteria</a:t>
-            </a:r>
-          </a:p>
-          <a:p>
-            <a:pPr marL="342900" indent="-342900">
-              <a:buFont typeface="Arial" panose="020B0604020202020204" pitchFamily="34" charset="0"/>
-              <a:buChar char="•"/>
-            </a:pPr>
-            <a:r>
-              <a:rPr lang="en-AU" sz="2000" dirty="0">
-                <a:solidFill>
-                  <a:schemeClr val="tx1"/>
-                </a:solidFill>
-              </a:rPr>
-              <a:t>The tutor should be able to know group member’s complaint </a:t>
-            </a:r>
-          </a:p>
-          <a:p>
-            <a:pPr marL="342900" indent="-342900">
-              <a:buFont typeface="Arial" panose="020B0604020202020204" pitchFamily="34" charset="0"/>
-              <a:buChar char="•"/>
-            </a:pPr>
-            <a:r>
-              <a:rPr lang="en-AU" altLang="ko-KR" sz="2000" dirty="0">
-                <a:solidFill>
-                  <a:schemeClr val="tx1"/>
-                </a:solidFill>
-              </a:rPr>
-              <a:t>Only tutor and student who post complaints can discuss each other. </a:t>
-            </a:r>
-            <a:endParaRPr lang="en-AU" sz="2000" dirty="0">
-              <a:solidFill>
-                <a:schemeClr val="tx1"/>
-              </a:solidFill>
-            </a:endParaRPr>
-          </a:p>
-        </p:txBody>
-      </p:sp>
-      <p:sp>
-        <p:nvSpPr>
-          <p:cNvPr id="11" name="Rectangle 10"/>
-          <p:cNvSpPr/>
-          <p:nvPr/>
-        </p:nvSpPr>
-        <p:spPr>
-          <a:xfrm>
-            <a:off x="10290153" y="109410"/>
-            <a:ext cx="720000" cy="540000"/>
-          </a:xfrm>
-          <a:prstGeom prst="rect">
-            <a:avLst/>
-          </a:prstGeom>
-          <a:solidFill>
-            <a:srgbClr val="CCF0CD">
-              <a:alpha val="20000"/>
-            </a:srgbClr>
-          </a:solidFill>
-          <a:ln>
-            <a:solidFill>
-              <a:schemeClr val="accent1">
-                <a:lumMod val="50000"/>
-              </a:schemeClr>
-            </a:solidFill>
-          </a:ln>
-        </p:spPr>
-        <p:style>
-          <a:lnRef idx="2">
-            <a:schemeClr val="accent1">
-              <a:shade val="50000"/>
-            </a:schemeClr>
-          </a:lnRef>
-          <a:fillRef idx="1">
-            <a:schemeClr val="accent1"/>
-          </a:fillRef>
-          <a:effectRef idx="0">
-            <a:schemeClr val="accent1"/>
-          </a:effectRef>
-          <a:fontRef idx="minor">
-            <a:schemeClr val="lt1"/>
-          </a:fontRef>
-        </p:style>
-        <p:txBody>
-          <a:bodyPr wrap="square" lIns="0" rIns="0" rtlCol="0" anchor="ctr"/>
-          <a:lstStyle/>
-          <a:p>
-            <a:pPr algn="ctr"/>
-            <a:r>
-              <a:rPr lang="en-AU" sz="2000" dirty="0">
-                <a:solidFill>
-                  <a:schemeClr val="tx1"/>
-                </a:solidFill>
-              </a:rPr>
-              <a:t>Story Points</a:t>
-            </a:r>
-          </a:p>
-        </p:txBody>
-      </p:sp>
-      <p:sp>
-        <p:nvSpPr>
-          <p:cNvPr id="12" name="Rectangle 11"/>
-          <p:cNvSpPr/>
-          <p:nvPr/>
-        </p:nvSpPr>
-        <p:spPr>
-          <a:xfrm>
-            <a:off x="9426153" y="109410"/>
-            <a:ext cx="792000" cy="540000"/>
-          </a:xfrm>
-          <a:prstGeom prst="rect">
-            <a:avLst/>
-          </a:prstGeom>
-          <a:solidFill>
-            <a:schemeClr val="accent4">
-              <a:lumMod val="20000"/>
-              <a:lumOff val="80000"/>
-            </a:schemeClr>
-          </a:solidFill>
-          <a:ln>
-            <a:solidFill>
-              <a:schemeClr val="accent1">
-                <a:lumMod val="50000"/>
-              </a:schemeClr>
-            </a:solidFill>
-          </a:ln>
-        </p:spPr>
-        <p:style>
-          <a:lnRef idx="2">
-            <a:schemeClr val="accent1">
-              <a:shade val="50000"/>
-            </a:schemeClr>
-          </a:lnRef>
-          <a:fillRef idx="1">
-            <a:schemeClr val="accent1"/>
-          </a:fillRef>
-          <a:effectRef idx="0">
-            <a:schemeClr val="accent1"/>
-          </a:effectRef>
-          <a:fontRef idx="minor">
-            <a:schemeClr val="lt1"/>
-          </a:fontRef>
-        </p:style>
-        <p:txBody>
-          <a:bodyPr wrap="none" lIns="0" rIns="0" rtlCol="0" anchor="ctr"/>
-          <a:lstStyle/>
-          <a:p>
-            <a:pPr algn="ctr"/>
-            <a:r>
-              <a:rPr lang="en-AU" sz="2000" dirty="0">
-                <a:solidFill>
-                  <a:schemeClr val="tx1"/>
-                </a:solidFill>
-              </a:rPr>
-              <a:t>Priority</a:t>
-            </a:r>
-          </a:p>
-          <a:p>
-            <a:pPr algn="ctr"/>
-            <a:r>
-              <a:rPr lang="en-AU" sz="2000" dirty="0">
-                <a:solidFill>
-                  <a:schemeClr val="tx1"/>
-                </a:solidFill>
-              </a:rPr>
-              <a:t>M</a:t>
-            </a:r>
-          </a:p>
-        </p:txBody>
-      </p:sp>
-      <p:sp>
-        <p:nvSpPr>
-          <p:cNvPr id="13" name="Rectangle 12"/>
-          <p:cNvSpPr/>
-          <p:nvPr/>
-        </p:nvSpPr>
-        <p:spPr>
-          <a:xfrm>
-            <a:off x="1182153" y="5068205"/>
-            <a:ext cx="9828000" cy="1620000"/>
-          </a:xfrm>
-          <a:prstGeom prst="rect">
-            <a:avLst/>
-          </a:prstGeom>
-          <a:solidFill>
-            <a:schemeClr val="bg1"/>
-          </a:solidFill>
-          <a:ln>
-            <a:solidFill>
-              <a:schemeClr val="accent1">
-                <a:lumMod val="50000"/>
-              </a:schemeClr>
-            </a:solidFill>
-          </a:ln>
-        </p:spPr>
-        <p:style>
-          <a:lnRef idx="2">
-            <a:schemeClr val="accent1">
-              <a:shade val="50000"/>
-            </a:schemeClr>
-          </a:lnRef>
-          <a:fillRef idx="1">
-            <a:schemeClr val="accent1"/>
-          </a:fillRef>
-          <a:effectRef idx="0">
-            <a:schemeClr val="accent1"/>
-          </a:effectRef>
-          <a:fontRef idx="minor">
-            <a:schemeClr val="lt1"/>
-          </a:fontRef>
-        </p:style>
-        <p:txBody>
-          <a:bodyPr tIns="36000" rtlCol="0" anchor="t" anchorCtr="0"/>
-          <a:lstStyle/>
-          <a:p>
-            <a:r>
-              <a:rPr lang="en-AU" sz="2000" dirty="0">
-                <a:solidFill>
-                  <a:schemeClr val="tx1"/>
-                </a:solidFill>
-              </a:rPr>
-              <a:t>Notes</a:t>
-            </a:r>
-          </a:p>
-          <a:p>
-            <a:pPr marL="179388" indent="-179388">
-              <a:buFont typeface="Arial" pitchFamily="34" charset="0"/>
-              <a:buChar char="•"/>
-            </a:pPr>
-            <a:r>
-              <a:rPr lang="en-AU" sz="2000" dirty="0">
-                <a:solidFill>
-                  <a:schemeClr val="tx1"/>
-                </a:solidFill>
-              </a:rPr>
               <a:t> The complaint might be from unsatisfied mark, problems in a group.   </a:t>
             </a:r>
           </a:p>
@@ -5958,7 +4514,7 @@
 </p:sld>
 </file>
 
-<file path=ppt/slides/slide7.xml><?xml version="1.0" encoding="utf-8"?>
+<file path=ppt/slides/slide4.xml><?xml version="1.0" encoding="utf-8"?>
 <p:sld xmlns:a="http://schemas.openxmlformats.org/drawingml/2006/main" xmlns:r="http://schemas.openxmlformats.org/officeDocument/2006/relationships" xmlns:p="http://schemas.openxmlformats.org/presentationml/2006/main">
   <p:cSld>
     <p:spTree>

--- a/User_story/Seyoung User Stories.pptx
+++ b/User_story/Seyoung User Stories.pptx
@@ -250,7 +250,7 @@
           <a:p>
             <a:fld id="{5B4268EA-73F9-4955-9E64-2FD477901B09}" type="datetimeFigureOut">
               <a:rPr lang="en-AU" smtClean="0"/>
-              <a:t>8/09/2017</a:t>
+              <a:t>17/09/2017</a:t>
             </a:fld>
             <a:endParaRPr lang="en-AU"/>
           </a:p>
@@ -420,7 +420,7 @@
           <a:p>
             <a:fld id="{5B4268EA-73F9-4955-9E64-2FD477901B09}" type="datetimeFigureOut">
               <a:rPr lang="en-AU" smtClean="0"/>
-              <a:t>8/09/2017</a:t>
+              <a:t>17/09/2017</a:t>
             </a:fld>
             <a:endParaRPr lang="en-AU"/>
           </a:p>
@@ -600,7 +600,7 @@
           <a:p>
             <a:fld id="{5B4268EA-73F9-4955-9E64-2FD477901B09}" type="datetimeFigureOut">
               <a:rPr lang="en-AU" smtClean="0"/>
-              <a:t>8/09/2017</a:t>
+              <a:t>17/09/2017</a:t>
             </a:fld>
             <a:endParaRPr lang="en-AU"/>
           </a:p>
@@ -770,7 +770,7 @@
           <a:p>
             <a:fld id="{5B4268EA-73F9-4955-9E64-2FD477901B09}" type="datetimeFigureOut">
               <a:rPr lang="en-AU" smtClean="0"/>
-              <a:t>8/09/2017</a:t>
+              <a:t>17/09/2017</a:t>
             </a:fld>
             <a:endParaRPr lang="en-AU"/>
           </a:p>
@@ -1016,7 +1016,7 @@
           <a:p>
             <a:fld id="{5B4268EA-73F9-4955-9E64-2FD477901B09}" type="datetimeFigureOut">
               <a:rPr lang="en-AU" smtClean="0"/>
-              <a:t>8/09/2017</a:t>
+              <a:t>17/09/2017</a:t>
             </a:fld>
             <a:endParaRPr lang="en-AU"/>
           </a:p>
@@ -1248,7 +1248,7 @@
           <a:p>
             <a:fld id="{5B4268EA-73F9-4955-9E64-2FD477901B09}" type="datetimeFigureOut">
               <a:rPr lang="en-AU" smtClean="0"/>
-              <a:t>8/09/2017</a:t>
+              <a:t>17/09/2017</a:t>
             </a:fld>
             <a:endParaRPr lang="en-AU"/>
           </a:p>
@@ -1615,7 +1615,7 @@
           <a:p>
             <a:fld id="{5B4268EA-73F9-4955-9E64-2FD477901B09}" type="datetimeFigureOut">
               <a:rPr lang="en-AU" smtClean="0"/>
-              <a:t>8/09/2017</a:t>
+              <a:t>17/09/2017</a:t>
             </a:fld>
             <a:endParaRPr lang="en-AU"/>
           </a:p>
@@ -1733,7 +1733,7 @@
           <a:p>
             <a:fld id="{5B4268EA-73F9-4955-9E64-2FD477901B09}" type="datetimeFigureOut">
               <a:rPr lang="en-AU" smtClean="0"/>
-              <a:t>8/09/2017</a:t>
+              <a:t>17/09/2017</a:t>
             </a:fld>
             <a:endParaRPr lang="en-AU"/>
           </a:p>
@@ -1828,7 +1828,7 @@
           <a:p>
             <a:fld id="{5B4268EA-73F9-4955-9E64-2FD477901B09}" type="datetimeFigureOut">
               <a:rPr lang="en-AU" smtClean="0"/>
-              <a:t>8/09/2017</a:t>
+              <a:t>17/09/2017</a:t>
             </a:fld>
             <a:endParaRPr lang="en-AU"/>
           </a:p>
@@ -2105,7 +2105,7 @@
           <a:p>
             <a:fld id="{5B4268EA-73F9-4955-9E64-2FD477901B09}" type="datetimeFigureOut">
               <a:rPr lang="en-AU" smtClean="0"/>
-              <a:t>8/09/2017</a:t>
+              <a:t>17/09/2017</a:t>
             </a:fld>
             <a:endParaRPr lang="en-AU"/>
           </a:p>
@@ -2358,7 +2358,7 @@
           <a:p>
             <a:fld id="{5B4268EA-73F9-4955-9E64-2FD477901B09}" type="datetimeFigureOut">
               <a:rPr lang="en-AU" smtClean="0"/>
-              <a:t>8/09/2017</a:t>
+              <a:t>17/09/2017</a:t>
             </a:fld>
             <a:endParaRPr lang="en-AU"/>
           </a:p>
@@ -2571,7 +2571,7 @@
           <a:p>
             <a:fld id="{5B4268EA-73F9-4955-9E64-2FD477901B09}" type="datetimeFigureOut">
               <a:rPr lang="en-AU" smtClean="0"/>
-              <a:t>8/09/2017</a:t>
+              <a:t>17/09/2017</a:t>
             </a:fld>
             <a:endParaRPr lang="en-AU"/>
           </a:p>
@@ -3140,7 +3140,7 @@
                   <a:schemeClr val="tx1"/>
                 </a:solidFill>
               </a:rPr>
-              <a:t>As the tutor, I want to check which groups I will teach </a:t>
+              <a:t>As the tutor, I want to check which groups I will teach so that I can know their information. </a:t>
             </a:r>
           </a:p>
         </p:txBody>
@@ -3153,7 +3153,7 @@
         </p:nvSpPr>
         <p:spPr>
           <a:xfrm>
-            <a:off x="1182153" y="3335530"/>
+            <a:off x="1182153" y="3378662"/>
             <a:ext cx="9828000" cy="1620000"/>
           </a:xfrm>
           <a:prstGeom prst="rect">
@@ -3708,7 +3708,7 @@
                   <a:schemeClr val="tx1"/>
                 </a:solidFill>
               </a:rPr>
-              <a:t>be able to put information about the groups have to fix for them after meeting. </a:t>
+              <a:t>be able to put information about the groups have to fix for them after meeting so that I can check whether they fix what I say when next meeting.</a:t>
             </a:r>
             <a:endParaRPr lang="en-AU" sz="2400" dirty="0">
               <a:solidFill>
@@ -4192,15 +4192,16 @@
                   <a:schemeClr val="tx1"/>
                 </a:solidFill>
               </a:rPr>
-              <a:t>As the tutor, I want to know group member’s complaint and answer about it.</a:t>
-            </a:r>
-            <a:endParaRPr lang="ko-KR" altLang="en-US" sz="2400" dirty="0">
-              <a:solidFill>
-                <a:schemeClr val="tx1"/>
-              </a:solidFill>
-            </a:endParaRPr>
-          </a:p>
-          <a:p>
+              <a:t>As the tutor, I want to know group member’s complaint and answer about it s</a:t>
+            </a:r>
+            <a:r>
+              <a:rPr lang="en-AU" altLang="ko-KR" sz="2400" dirty="0">
+                <a:solidFill>
+                  <a:schemeClr val="tx1"/>
+                </a:solidFill>
+              </a:rPr>
+              <a:t>o that I can handle problems in groups.</a:t>
+            </a:r>
             <a:endParaRPr lang="en-AU" sz="2400" dirty="0">
               <a:solidFill>
                 <a:schemeClr val="tx1"/>
@@ -4649,7 +4650,7 @@
         </p:nvSpPr>
         <p:spPr>
           <a:xfrm>
-            <a:off x="1182153" y="822470"/>
+            <a:off x="1182153" y="649410"/>
             <a:ext cx="9828000" cy="2340000"/>
           </a:xfrm>
           <a:prstGeom prst="rect">
@@ -4695,7 +4696,7 @@
                   <a:schemeClr val="tx1"/>
                 </a:solidFill>
               </a:rPr>
-              <a:t>As the tutor, I want to be able to mark my groups for different assessment</a:t>
+              <a:t>As the tutor, I want to be able to mark my groups for different assessment so that I can mark all assessment and students can check their mark.</a:t>
             </a:r>
             <a:endParaRPr lang="ko-KR" altLang="en-US" sz="2400" dirty="0">
               <a:solidFill>

--- a/User_story/Seyoung User Stories.pptx
+++ b/User_story/Seyoung User Stories.pptx
@@ -6,9 +6,11 @@
   </p:sldMasterIdLst>
   <p:sldIdLst>
     <p:sldId id="268" r:id="rId2"/>
-    <p:sldId id="270" r:id="rId3"/>
-    <p:sldId id="273" r:id="rId4"/>
+    <p:sldId id="275" r:id="rId3"/>
+    <p:sldId id="270" r:id="rId4"/>
     <p:sldId id="274" r:id="rId5"/>
+    <p:sldId id="273" r:id="rId6"/>
+    <p:sldId id="277" r:id="rId7"/>
   </p:sldIdLst>
   <p:sldSz cx="12192000" cy="6858000"/>
   <p:notesSz cx="6858000" cy="9144000"/>
@@ -250,7 +252,7 @@
           <a:p>
             <a:fld id="{5B4268EA-73F9-4955-9E64-2FD477901B09}" type="datetimeFigureOut">
               <a:rPr lang="en-AU" smtClean="0"/>
-              <a:t>17/09/2017</a:t>
+              <a:t>18/09/2017</a:t>
             </a:fld>
             <a:endParaRPr lang="en-AU"/>
           </a:p>
@@ -420,7 +422,7 @@
           <a:p>
             <a:fld id="{5B4268EA-73F9-4955-9E64-2FD477901B09}" type="datetimeFigureOut">
               <a:rPr lang="en-AU" smtClean="0"/>
-              <a:t>17/09/2017</a:t>
+              <a:t>18/09/2017</a:t>
             </a:fld>
             <a:endParaRPr lang="en-AU"/>
           </a:p>
@@ -600,7 +602,7 @@
           <a:p>
             <a:fld id="{5B4268EA-73F9-4955-9E64-2FD477901B09}" type="datetimeFigureOut">
               <a:rPr lang="en-AU" smtClean="0"/>
-              <a:t>17/09/2017</a:t>
+              <a:t>18/09/2017</a:t>
             </a:fld>
             <a:endParaRPr lang="en-AU"/>
           </a:p>
@@ -770,7 +772,7 @@
           <a:p>
             <a:fld id="{5B4268EA-73F9-4955-9E64-2FD477901B09}" type="datetimeFigureOut">
               <a:rPr lang="en-AU" smtClean="0"/>
-              <a:t>17/09/2017</a:t>
+              <a:t>18/09/2017</a:t>
             </a:fld>
             <a:endParaRPr lang="en-AU"/>
           </a:p>
@@ -1016,7 +1018,7 @@
           <a:p>
             <a:fld id="{5B4268EA-73F9-4955-9E64-2FD477901B09}" type="datetimeFigureOut">
               <a:rPr lang="en-AU" smtClean="0"/>
-              <a:t>17/09/2017</a:t>
+              <a:t>18/09/2017</a:t>
             </a:fld>
             <a:endParaRPr lang="en-AU"/>
           </a:p>
@@ -1248,7 +1250,7 @@
           <a:p>
             <a:fld id="{5B4268EA-73F9-4955-9E64-2FD477901B09}" type="datetimeFigureOut">
               <a:rPr lang="en-AU" smtClean="0"/>
-              <a:t>17/09/2017</a:t>
+              <a:t>18/09/2017</a:t>
             </a:fld>
             <a:endParaRPr lang="en-AU"/>
           </a:p>
@@ -1615,7 +1617,7 @@
           <a:p>
             <a:fld id="{5B4268EA-73F9-4955-9E64-2FD477901B09}" type="datetimeFigureOut">
               <a:rPr lang="en-AU" smtClean="0"/>
-              <a:t>17/09/2017</a:t>
+              <a:t>18/09/2017</a:t>
             </a:fld>
             <a:endParaRPr lang="en-AU"/>
           </a:p>
@@ -1733,7 +1735,7 @@
           <a:p>
             <a:fld id="{5B4268EA-73F9-4955-9E64-2FD477901B09}" type="datetimeFigureOut">
               <a:rPr lang="en-AU" smtClean="0"/>
-              <a:t>17/09/2017</a:t>
+              <a:t>18/09/2017</a:t>
             </a:fld>
             <a:endParaRPr lang="en-AU"/>
           </a:p>
@@ -1828,7 +1830,7 @@
           <a:p>
             <a:fld id="{5B4268EA-73F9-4955-9E64-2FD477901B09}" type="datetimeFigureOut">
               <a:rPr lang="en-AU" smtClean="0"/>
-              <a:t>17/09/2017</a:t>
+              <a:t>18/09/2017</a:t>
             </a:fld>
             <a:endParaRPr lang="en-AU"/>
           </a:p>
@@ -2105,7 +2107,7 @@
           <a:p>
             <a:fld id="{5B4268EA-73F9-4955-9E64-2FD477901B09}" type="datetimeFigureOut">
               <a:rPr lang="en-AU" smtClean="0"/>
-              <a:t>17/09/2017</a:t>
+              <a:t>18/09/2017</a:t>
             </a:fld>
             <a:endParaRPr lang="en-AU"/>
           </a:p>
@@ -2358,7 +2360,7 @@
           <a:p>
             <a:fld id="{5B4268EA-73F9-4955-9E64-2FD477901B09}" type="datetimeFigureOut">
               <a:rPr lang="en-AU" smtClean="0"/>
-              <a:t>17/09/2017</a:t>
+              <a:t>18/09/2017</a:t>
             </a:fld>
             <a:endParaRPr lang="en-AU"/>
           </a:p>
@@ -2571,7 +2573,7 @@
           <a:p>
             <a:fld id="{5B4268EA-73F9-4955-9E64-2FD477901B09}" type="datetimeFigureOut">
               <a:rPr lang="en-AU" smtClean="0"/>
-              <a:t>17/09/2017</a:t>
+              <a:t>18/09/2017</a:t>
             </a:fld>
             <a:endParaRPr lang="en-AU"/>
           </a:p>
@@ -3552,9 +3554,10 @@
           <a:p>
             <a:pPr algn="ctr"/>
             <a:r>
-              <a:rPr lang="en-AU" sz="2800" dirty="0"/>
-              <a:t>Notification</a:t>
-            </a:r>
+              <a:rPr lang="en-US" sz="2800" dirty="0"/>
+              <a:t>Download </a:t>
+            </a:r>
+            <a:endParaRPr lang="en-AU" sz="2800" dirty="0"/>
           </a:p>
         </p:txBody>
       </p:sp>
@@ -3612,103 +3615,15 @@
                   <a:schemeClr val="tx1"/>
                 </a:solidFill>
               </a:rPr>
-              <a:t>As</a:t>
-            </a:r>
-            <a:r>
-              <a:rPr lang="ko-KR" altLang="en-US" sz="2400" dirty="0">
-                <a:solidFill>
-                  <a:schemeClr val="tx1"/>
-                </a:solidFill>
-              </a:rPr>
-              <a:t> </a:t>
-            </a:r>
-            <a:r>
-              <a:rPr lang="en-US" altLang="ko-KR" sz="2400" dirty="0">
-                <a:solidFill>
-                  <a:schemeClr val="tx1"/>
-                </a:solidFill>
-              </a:rPr>
-              <a:t>the</a:t>
-            </a:r>
-            <a:r>
-              <a:rPr lang="ko-KR" altLang="en-US" sz="2400" dirty="0">
-                <a:solidFill>
-                  <a:schemeClr val="tx1"/>
-                </a:solidFill>
-              </a:rPr>
-              <a:t> </a:t>
-            </a:r>
-            <a:r>
-              <a:rPr lang="en-US" altLang="ko-KR" sz="2400" dirty="0">
-                <a:solidFill>
-                  <a:schemeClr val="tx1"/>
-                </a:solidFill>
-              </a:rPr>
-              <a:t>tutor,</a:t>
-            </a:r>
-            <a:r>
-              <a:rPr lang="ko-KR" altLang="en-US" sz="2400" dirty="0">
-                <a:solidFill>
-                  <a:schemeClr val="tx1"/>
-                </a:solidFill>
-              </a:rPr>
-              <a:t> </a:t>
-            </a:r>
-            <a:r>
-              <a:rPr lang="en-US" altLang="ko-KR" sz="2400" dirty="0">
-                <a:solidFill>
-                  <a:schemeClr val="tx1"/>
-                </a:solidFill>
-              </a:rPr>
-              <a:t>I</a:t>
-            </a:r>
-            <a:r>
-              <a:rPr lang="ko-KR" altLang="en-US" sz="2400" dirty="0">
-                <a:solidFill>
-                  <a:schemeClr val="tx1"/>
-                </a:solidFill>
-              </a:rPr>
-              <a:t> </a:t>
-            </a:r>
-            <a:r>
-              <a:rPr lang="en-US" altLang="ko-KR" sz="2400" dirty="0">
-                <a:solidFill>
-                  <a:schemeClr val="tx1"/>
-                </a:solidFill>
-              </a:rPr>
-              <a:t>want</a:t>
-            </a:r>
-            <a:r>
-              <a:rPr lang="ko-KR" altLang="en-US" sz="2400" dirty="0">
-                <a:solidFill>
-                  <a:schemeClr val="tx1"/>
-                </a:solidFill>
-              </a:rPr>
-              <a:t> </a:t>
-            </a:r>
-            <a:r>
-              <a:rPr lang="en-US" altLang="ko-KR" sz="2400" dirty="0">
-                <a:solidFill>
-                  <a:schemeClr val="tx1"/>
-                </a:solidFill>
-              </a:rPr>
-              <a:t>to</a:t>
-            </a:r>
-            <a:r>
-              <a:rPr lang="ko-KR" altLang="en-US" sz="2400" dirty="0">
-                <a:solidFill>
-                  <a:schemeClr val="tx1"/>
-                </a:solidFill>
-              </a:rPr>
-              <a:t> </a:t>
-            </a:r>
-            <a:r>
-              <a:rPr lang="en-US" altLang="ko-KR" sz="2400" dirty="0">
-                <a:solidFill>
-                  <a:schemeClr val="tx1"/>
-                </a:solidFill>
-              </a:rPr>
-              <a:t>be able to put information about the groups have to fix for them after meeting so that I can check whether they fix what I say when next meeting.</a:t>
+              <a:t>As the tutor, I want to download students’ assessments so that I can mark them</a:t>
+            </a:r>
+            <a:r>
+              <a:rPr lang="en-AU" altLang="ko-KR" sz="2400" dirty="0">
+                <a:solidFill>
+                  <a:schemeClr val="tx1"/>
+                </a:solidFill>
+              </a:rPr>
+              <a:t>.</a:t>
             </a:r>
             <a:endParaRPr lang="en-AU" sz="2400" dirty="0">
               <a:solidFill>
@@ -3774,27 +3689,6 @@
               </a:rPr>
               <a:t>Acceptance Criteria</a:t>
             </a:r>
-          </a:p>
-          <a:p>
-            <a:pPr marL="179388" indent="-179388">
-              <a:buFont typeface="Arial" pitchFamily="34" charset="0"/>
-              <a:buChar char="•"/>
-            </a:pPr>
-            <a:r>
-              <a:rPr lang="en-AU" altLang="ko-KR" sz="2000" dirty="0">
-                <a:solidFill>
-                  <a:schemeClr val="tx1"/>
-                </a:solidFill>
-              </a:rPr>
-              <a:t>Add a function that will add things that the group has to fix.</a:t>
-            </a:r>
-          </a:p>
-          <a:p>
-            <a:endParaRPr lang="en-AU" sz="2000" dirty="0">
-              <a:solidFill>
-                <a:schemeClr val="tx1"/>
-              </a:solidFill>
-            </a:endParaRPr>
           </a:p>
         </p:txBody>
       </p:sp>
@@ -3936,7 +3830,7 @@
         </p:nvSpPr>
         <p:spPr>
           <a:xfrm>
-            <a:off x="1182153" y="5128590"/>
+            <a:off x="1182153" y="5094084"/>
             <a:ext cx="9828000" cy="1620000"/>
           </a:xfrm>
           <a:prstGeom prst="rect">
@@ -3993,7 +3887,7 @@
                   <a:schemeClr val="tx1"/>
                 </a:solidFill>
               </a:rPr>
-              <a:t> Will decide whether this function is needed as we develop</a:t>
+              <a:t> Download function for students’ work.   </a:t>
             </a:r>
           </a:p>
         </p:txBody>
@@ -4001,7 +3895,7 @@
     </p:spTree>
     <p:extLst>
       <p:ext uri="{BB962C8B-B14F-4D97-AF65-F5344CB8AC3E}">
-        <p14:creationId xmlns:p14="http://schemas.microsoft.com/office/powerpoint/2010/main" val="1620574207"/>
+        <p14:creationId xmlns:p14="http://schemas.microsoft.com/office/powerpoint/2010/main" val="3663976597"/>
       </p:ext>
     </p:extLst>
   </p:cSld>
@@ -4133,7 +4027,7 @@
             <a:pPr algn="ctr"/>
             <a:r>
               <a:rPr lang="en-AU" sz="2800" dirty="0"/>
-              <a:t>Complaint</a:t>
+              <a:t>Notification</a:t>
             </a:r>
           </a:p>
         </p:txBody>
@@ -4192,15 +4086,103 @@
                   <a:schemeClr val="tx1"/>
                 </a:solidFill>
               </a:rPr>
-              <a:t>As the tutor, I want to know group member’s complaint and answer about it s</a:t>
-            </a:r>
-            <a:r>
-              <a:rPr lang="en-AU" altLang="ko-KR" sz="2400" dirty="0">
-                <a:solidFill>
-                  <a:schemeClr val="tx1"/>
-                </a:solidFill>
-              </a:rPr>
-              <a:t>o that I can handle problems in groups.</a:t>
+              <a:t>As</a:t>
+            </a:r>
+            <a:r>
+              <a:rPr lang="ko-KR" altLang="en-US" sz="2400" dirty="0">
+                <a:solidFill>
+                  <a:schemeClr val="tx1"/>
+                </a:solidFill>
+              </a:rPr>
+              <a:t> </a:t>
+            </a:r>
+            <a:r>
+              <a:rPr lang="en-US" altLang="ko-KR" sz="2400" dirty="0">
+                <a:solidFill>
+                  <a:schemeClr val="tx1"/>
+                </a:solidFill>
+              </a:rPr>
+              <a:t>the</a:t>
+            </a:r>
+            <a:r>
+              <a:rPr lang="ko-KR" altLang="en-US" sz="2400" dirty="0">
+                <a:solidFill>
+                  <a:schemeClr val="tx1"/>
+                </a:solidFill>
+              </a:rPr>
+              <a:t> </a:t>
+            </a:r>
+            <a:r>
+              <a:rPr lang="en-US" altLang="ko-KR" sz="2400" dirty="0">
+                <a:solidFill>
+                  <a:schemeClr val="tx1"/>
+                </a:solidFill>
+              </a:rPr>
+              <a:t>tutor,</a:t>
+            </a:r>
+            <a:r>
+              <a:rPr lang="ko-KR" altLang="en-US" sz="2400" dirty="0">
+                <a:solidFill>
+                  <a:schemeClr val="tx1"/>
+                </a:solidFill>
+              </a:rPr>
+              <a:t> </a:t>
+            </a:r>
+            <a:r>
+              <a:rPr lang="en-US" altLang="ko-KR" sz="2400" dirty="0">
+                <a:solidFill>
+                  <a:schemeClr val="tx1"/>
+                </a:solidFill>
+              </a:rPr>
+              <a:t>I</a:t>
+            </a:r>
+            <a:r>
+              <a:rPr lang="ko-KR" altLang="en-US" sz="2400" dirty="0">
+                <a:solidFill>
+                  <a:schemeClr val="tx1"/>
+                </a:solidFill>
+              </a:rPr>
+              <a:t> </a:t>
+            </a:r>
+            <a:r>
+              <a:rPr lang="en-US" altLang="ko-KR" sz="2400" dirty="0">
+                <a:solidFill>
+                  <a:schemeClr val="tx1"/>
+                </a:solidFill>
+              </a:rPr>
+              <a:t>want</a:t>
+            </a:r>
+            <a:r>
+              <a:rPr lang="ko-KR" altLang="en-US" sz="2400" dirty="0">
+                <a:solidFill>
+                  <a:schemeClr val="tx1"/>
+                </a:solidFill>
+              </a:rPr>
+              <a:t> </a:t>
+            </a:r>
+            <a:r>
+              <a:rPr lang="en-US" altLang="ko-KR" sz="2400" dirty="0">
+                <a:solidFill>
+                  <a:schemeClr val="tx1"/>
+                </a:solidFill>
+              </a:rPr>
+              <a:t>to</a:t>
+            </a:r>
+            <a:r>
+              <a:rPr lang="ko-KR" altLang="en-US" sz="2400" dirty="0">
+                <a:solidFill>
+                  <a:schemeClr val="tx1"/>
+                </a:solidFill>
+              </a:rPr>
+              <a:t> </a:t>
+            </a:r>
+            <a:r>
+              <a:rPr lang="en-US" altLang="ko-KR" sz="2400" dirty="0">
+                <a:solidFill>
+                  <a:schemeClr val="tx1"/>
+                </a:solidFill>
+              </a:rPr>
+              <a:t>be able to put information about the groups have to fix for them after meeting so that I can check whether they fix what I say when next meeting.</a:t>
             </a:r>
             <a:endParaRPr lang="en-AU" sz="2400" dirty="0">
               <a:solidFill>
@@ -4268,32 +4250,20 @@
             </a:r>
           </a:p>
           <a:p>
-            <a:pPr marL="342900" indent="-342900">
-              <a:buFont typeface="Arial" panose="020B0604020202020204" pitchFamily="34" charset="0"/>
+            <a:pPr marL="179388" indent="-179388">
+              <a:buFont typeface="Arial" pitchFamily="34" charset="0"/>
               <a:buChar char="•"/>
             </a:pPr>
             <a:r>
-              <a:rPr lang="en-AU" sz="2000" dirty="0">
-                <a:solidFill>
-                  <a:schemeClr val="tx1"/>
-                </a:solidFill>
-              </a:rPr>
-              <a:t>The tutor should be able to know group member’s complaint </a:t>
-            </a:r>
-          </a:p>
-          <a:p>
-            <a:pPr marL="342900" indent="-342900">
-              <a:buFont typeface="Arial" panose="020B0604020202020204" pitchFamily="34" charset="0"/>
-              <a:buChar char="•"/>
-            </a:pPr>
-            <a:r>
               <a:rPr lang="en-AU" altLang="ko-KR" sz="2000" dirty="0">
                 <a:solidFill>
                   <a:schemeClr val="tx1"/>
                 </a:solidFill>
               </a:rPr>
-              <a:t>Only tutor and student who post complaints can discuss each other. </a:t>
-            </a:r>
+              <a:t>Add a function that will add things that the group has to fix.</a:t>
+            </a:r>
+          </a:p>
+          <a:p>
             <a:endParaRPr lang="en-AU" sz="2000" dirty="0">
               <a:solidFill>
                 <a:schemeClr val="tx1"/>
@@ -4440,7 +4410,7 @@
         </p:nvSpPr>
         <p:spPr>
           <a:xfrm>
-            <a:off x="1182153" y="5068205"/>
+            <a:off x="1182153" y="5128590"/>
             <a:ext cx="9828000" cy="1620000"/>
           </a:xfrm>
           <a:prstGeom prst="rect">
@@ -4497,7 +4467,7 @@
                   <a:schemeClr val="tx1"/>
                 </a:solidFill>
               </a:rPr>
-              <a:t> The complaint might be from unsatisfied mark, problems in a group.   </a:t>
+              <a:t> Will decide whether this function is needed as we develop</a:t>
             </a:r>
           </a:p>
         </p:txBody>
@@ -4505,7 +4475,7 @@
     </p:spTree>
     <p:extLst>
       <p:ext uri="{BB962C8B-B14F-4D97-AF65-F5344CB8AC3E}">
-        <p14:creationId xmlns:p14="http://schemas.microsoft.com/office/powerpoint/2010/main" val="3834474679"/>
+        <p14:creationId xmlns:p14="http://schemas.microsoft.com/office/powerpoint/2010/main" val="1620574207"/>
       </p:ext>
     </p:extLst>
   </p:cSld>
@@ -4971,8 +4941,55 @@
                   <a:schemeClr val="tx1"/>
                 </a:solidFill>
               </a:rPr>
-              <a:t>Notes</a:t>
-            </a:r>
+              <a:t>Note</a:t>
+            </a:r>
+          </a:p>
+          <a:p>
+            <a:r>
+              <a:rPr lang="en-AU" altLang="ko-KR" sz="2000" dirty="0">
+                <a:solidFill>
+                  <a:schemeClr val="tx1"/>
+                </a:solidFill>
+              </a:rPr>
+              <a:t> Tutor mark the assessment and save score and </a:t>
+            </a:r>
+            <a:r>
+              <a:rPr lang="en-AU" altLang="ko-KR" sz="2000">
+                <a:solidFill>
+                  <a:schemeClr val="tx1"/>
+                </a:solidFill>
+              </a:rPr>
+              <a:t>then lecturer </a:t>
+            </a:r>
+            <a:r>
+              <a:rPr lang="en-AU" altLang="ko-KR" sz="2000" dirty="0">
+                <a:solidFill>
+                  <a:schemeClr val="tx1"/>
+                </a:solidFill>
+              </a:rPr>
+              <a:t>release all marks at the same time.   </a:t>
+            </a:r>
+          </a:p>
+          <a:p>
+            <a:endParaRPr lang="en-AU" altLang="ko-KR" sz="2000" dirty="0">
+              <a:solidFill>
+                <a:schemeClr val="tx1"/>
+              </a:solidFill>
+            </a:endParaRPr>
+          </a:p>
+          <a:p>
+            <a:endParaRPr lang="en-AU" altLang="ko-KR" sz="2000" dirty="0">
+              <a:solidFill>
+                <a:schemeClr val="tx1"/>
+              </a:solidFill>
+            </a:endParaRPr>
+          </a:p>
+          <a:p>
+            <a:endParaRPr lang="en-AU" sz="2000" dirty="0">
+              <a:solidFill>
+                <a:schemeClr val="tx1"/>
+              </a:solidFill>
+            </a:endParaRPr>
           </a:p>
         </p:txBody>
       </p:sp>
@@ -4980,6 +4997,959 @@
     <p:extLst>
       <p:ext uri="{BB962C8B-B14F-4D97-AF65-F5344CB8AC3E}">
         <p14:creationId xmlns:p14="http://schemas.microsoft.com/office/powerpoint/2010/main" val="3360574575"/>
+      </p:ext>
+    </p:extLst>
+  </p:cSld>
+  <p:clrMapOvr>
+    <a:masterClrMapping/>
+  </p:clrMapOvr>
+</p:sld>
+</file>
+
+<file path=ppt/slides/slide5.xml><?xml version="1.0" encoding="utf-8"?>
+<p:sld xmlns:a="http://schemas.openxmlformats.org/drawingml/2006/main" xmlns:r="http://schemas.openxmlformats.org/officeDocument/2006/relationships" xmlns:p="http://schemas.openxmlformats.org/presentationml/2006/main">
+  <p:cSld>
+    <p:spTree>
+      <p:nvGrpSpPr>
+        <p:cNvPr id="1" name=""/>
+        <p:cNvGrpSpPr/>
+        <p:nvPr/>
+      </p:nvGrpSpPr>
+      <p:grpSpPr>
+        <a:xfrm>
+          <a:off x="0" y="0"/>
+          <a:ext cx="0" cy="0"/>
+          <a:chOff x="0" y="0"/>
+          <a:chExt cx="0" cy="0"/>
+        </a:xfrm>
+      </p:grpSpPr>
+      <p:sp>
+        <p:nvSpPr>
+          <p:cNvPr id="4" name="Rectangle 3"/>
+          <p:cNvSpPr/>
+          <p:nvPr/>
+        </p:nvSpPr>
+        <p:spPr>
+          <a:xfrm>
+            <a:off x="1182153" y="109410"/>
+            <a:ext cx="720000" cy="540000"/>
+          </a:xfrm>
+          <a:prstGeom prst="rect">
+            <a:avLst/>
+          </a:prstGeom>
+          <a:solidFill>
+            <a:schemeClr val="accent1">
+              <a:lumMod val="40000"/>
+              <a:lumOff val="60000"/>
+            </a:schemeClr>
+          </a:solidFill>
+          <a:ln>
+            <a:solidFill>
+              <a:schemeClr val="accent1">
+                <a:lumMod val="50000"/>
+              </a:schemeClr>
+            </a:solidFill>
+          </a:ln>
+        </p:spPr>
+        <p:style>
+          <a:lnRef idx="2">
+            <a:schemeClr val="accent1">
+              <a:shade val="50000"/>
+            </a:schemeClr>
+          </a:lnRef>
+          <a:fillRef idx="1">
+            <a:schemeClr val="accent1"/>
+          </a:fillRef>
+          <a:effectRef idx="0">
+            <a:schemeClr val="accent1"/>
+          </a:effectRef>
+          <a:fontRef idx="minor">
+            <a:schemeClr val="lt1"/>
+          </a:fontRef>
+        </p:style>
+        <p:txBody>
+          <a:bodyPr wrap="square" lIns="0" rIns="0" rtlCol="0" anchor="ctr"/>
+          <a:lstStyle/>
+          <a:p>
+            <a:pPr algn="ctr"/>
+            <a:r>
+              <a:rPr lang="en-AU" sz="2000" dirty="0">
+                <a:solidFill>
+                  <a:schemeClr val="tx1"/>
+                </a:solidFill>
+              </a:rPr>
+              <a:t>Story ID </a:t>
+            </a:r>
+          </a:p>
+        </p:txBody>
+      </p:sp>
+      <p:sp>
+        <p:nvSpPr>
+          <p:cNvPr id="6" name="Rectangle 5"/>
+          <p:cNvSpPr/>
+          <p:nvPr/>
+        </p:nvSpPr>
+        <p:spPr>
+          <a:xfrm>
+            <a:off x="1974153" y="109410"/>
+            <a:ext cx="7380000" cy="540000"/>
+          </a:xfrm>
+          <a:prstGeom prst="rect">
+            <a:avLst/>
+          </a:prstGeom>
+          <a:ln>
+            <a:solidFill>
+              <a:schemeClr val="accent1">
+                <a:lumMod val="50000"/>
+              </a:schemeClr>
+            </a:solidFill>
+          </a:ln>
+        </p:spPr>
+        <p:style>
+          <a:lnRef idx="2">
+            <a:schemeClr val="accent1">
+              <a:shade val="50000"/>
+            </a:schemeClr>
+          </a:lnRef>
+          <a:fillRef idx="1">
+            <a:schemeClr val="accent1"/>
+          </a:fillRef>
+          <a:effectRef idx="0">
+            <a:schemeClr val="accent1"/>
+          </a:effectRef>
+          <a:fontRef idx="minor">
+            <a:schemeClr val="lt1"/>
+          </a:fontRef>
+        </p:style>
+        <p:txBody>
+          <a:bodyPr rtlCol="0" anchor="ctr"/>
+          <a:lstStyle/>
+          <a:p>
+            <a:pPr algn="ctr"/>
+            <a:r>
+              <a:rPr lang="en-US" sz="2800" dirty="0"/>
+              <a:t>Resubmit</a:t>
+            </a:r>
+            <a:endParaRPr lang="en-AU" sz="2800" dirty="0"/>
+          </a:p>
+        </p:txBody>
+      </p:sp>
+      <p:sp>
+        <p:nvSpPr>
+          <p:cNvPr id="7" name="Rectangle 6"/>
+          <p:cNvSpPr/>
+          <p:nvPr/>
+        </p:nvSpPr>
+        <p:spPr>
+          <a:xfrm>
+            <a:off x="1182153" y="822470"/>
+            <a:ext cx="9828000" cy="2340000"/>
+          </a:xfrm>
+          <a:prstGeom prst="rect">
+            <a:avLst/>
+          </a:prstGeom>
+          <a:solidFill>
+            <a:schemeClr val="tx2">
+              <a:lumMod val="20000"/>
+              <a:lumOff val="80000"/>
+            </a:schemeClr>
+          </a:solidFill>
+          <a:ln>
+            <a:solidFill>
+              <a:schemeClr val="accent1">
+                <a:lumMod val="50000"/>
+              </a:schemeClr>
+            </a:solidFill>
+          </a:ln>
+        </p:spPr>
+        <p:style>
+          <a:lnRef idx="2">
+            <a:schemeClr val="accent1">
+              <a:shade val="50000"/>
+            </a:schemeClr>
+          </a:lnRef>
+          <a:fillRef idx="1">
+            <a:schemeClr val="accent1"/>
+          </a:fillRef>
+          <a:effectRef idx="0">
+            <a:schemeClr val="accent1"/>
+          </a:effectRef>
+          <a:fontRef idx="minor">
+            <a:schemeClr val="lt1"/>
+          </a:fontRef>
+        </p:style>
+        <p:txBody>
+          <a:bodyPr rtlCol="0" anchor="t" anchorCtr="0"/>
+          <a:lstStyle/>
+          <a:p>
+            <a:r>
+              <a:rPr lang="en-US" altLang="ko-KR" sz="2400" dirty="0">
+                <a:solidFill>
+                  <a:schemeClr val="tx1"/>
+                </a:solidFill>
+              </a:rPr>
+              <a:t>As the tutor, I want to remark assessment so that students get a score remarked</a:t>
+            </a:r>
+            <a:r>
+              <a:rPr lang="en-AU" altLang="ko-KR" sz="2400" dirty="0">
+                <a:solidFill>
+                  <a:schemeClr val="tx1"/>
+                </a:solidFill>
+              </a:rPr>
+              <a:t>.</a:t>
+            </a:r>
+            <a:endParaRPr lang="en-AU" sz="2400" dirty="0">
+              <a:solidFill>
+                <a:schemeClr val="tx1"/>
+              </a:solidFill>
+            </a:endParaRPr>
+          </a:p>
+        </p:txBody>
+      </p:sp>
+      <p:sp>
+        <p:nvSpPr>
+          <p:cNvPr id="8" name="Rectangle 7"/>
+          <p:cNvSpPr/>
+          <p:nvPr/>
+        </p:nvSpPr>
+        <p:spPr>
+          <a:xfrm>
+            <a:off x="1182153" y="3335530"/>
+            <a:ext cx="9828000" cy="1620000"/>
+          </a:xfrm>
+          <a:prstGeom prst="rect">
+            <a:avLst/>
+          </a:prstGeom>
+          <a:solidFill>
+            <a:schemeClr val="accent1">
+              <a:lumMod val="20000"/>
+              <a:lumOff val="80000"/>
+            </a:schemeClr>
+          </a:solidFill>
+          <a:ln>
+            <a:solidFill>
+              <a:schemeClr val="accent1">
+                <a:lumMod val="50000"/>
+              </a:schemeClr>
+            </a:solidFill>
+          </a:ln>
+        </p:spPr>
+        <p:style>
+          <a:lnRef idx="2">
+            <a:schemeClr val="accent1">
+              <a:shade val="50000"/>
+            </a:schemeClr>
+          </a:lnRef>
+          <a:fillRef idx="1">
+            <a:schemeClr val="accent1"/>
+          </a:fillRef>
+          <a:effectRef idx="0">
+            <a:schemeClr val="accent1"/>
+          </a:effectRef>
+          <a:fontRef idx="minor">
+            <a:schemeClr val="lt1"/>
+          </a:fontRef>
+        </p:style>
+        <p:txBody>
+          <a:bodyPr tIns="36000" rtlCol="0" anchor="t" anchorCtr="0"/>
+          <a:lstStyle/>
+          <a:p>
+            <a:r>
+              <a:rPr lang="en-AU" sz="2000" dirty="0">
+                <a:solidFill>
+                  <a:schemeClr val="tx1"/>
+                </a:solidFill>
+              </a:rPr>
+              <a:t>Acceptance Criteria</a:t>
+            </a:r>
+            <a:r>
+              <a:rPr lang="en-AU" altLang="ko-KR" sz="2000" dirty="0">
+                <a:solidFill>
+                  <a:schemeClr val="tx1"/>
+                </a:solidFill>
+              </a:rPr>
+              <a:t>. </a:t>
+            </a:r>
+            <a:endParaRPr lang="en-AU" sz="2000" dirty="0">
+              <a:solidFill>
+                <a:schemeClr val="tx1"/>
+              </a:solidFill>
+            </a:endParaRPr>
+          </a:p>
+        </p:txBody>
+      </p:sp>
+      <p:sp>
+        <p:nvSpPr>
+          <p:cNvPr id="11" name="Rectangle 10"/>
+          <p:cNvSpPr/>
+          <p:nvPr/>
+        </p:nvSpPr>
+        <p:spPr>
+          <a:xfrm>
+            <a:off x="10290153" y="109410"/>
+            <a:ext cx="720000" cy="540000"/>
+          </a:xfrm>
+          <a:prstGeom prst="rect">
+            <a:avLst/>
+          </a:prstGeom>
+          <a:solidFill>
+            <a:srgbClr val="CCF0CD">
+              <a:alpha val="20000"/>
+            </a:srgbClr>
+          </a:solidFill>
+          <a:ln>
+            <a:solidFill>
+              <a:schemeClr val="accent1">
+                <a:lumMod val="50000"/>
+              </a:schemeClr>
+            </a:solidFill>
+          </a:ln>
+        </p:spPr>
+        <p:style>
+          <a:lnRef idx="2">
+            <a:schemeClr val="accent1">
+              <a:shade val="50000"/>
+            </a:schemeClr>
+          </a:lnRef>
+          <a:fillRef idx="1">
+            <a:schemeClr val="accent1"/>
+          </a:fillRef>
+          <a:effectRef idx="0">
+            <a:schemeClr val="accent1"/>
+          </a:effectRef>
+          <a:fontRef idx="minor">
+            <a:schemeClr val="lt1"/>
+          </a:fontRef>
+        </p:style>
+        <p:txBody>
+          <a:bodyPr wrap="square" lIns="0" rIns="0" rtlCol="0" anchor="ctr"/>
+          <a:lstStyle/>
+          <a:p>
+            <a:pPr algn="ctr"/>
+            <a:r>
+              <a:rPr lang="en-AU" sz="2000" dirty="0">
+                <a:solidFill>
+                  <a:schemeClr val="tx1"/>
+                </a:solidFill>
+              </a:rPr>
+              <a:t>Story Points</a:t>
+            </a:r>
+          </a:p>
+        </p:txBody>
+      </p:sp>
+      <p:sp>
+        <p:nvSpPr>
+          <p:cNvPr id="12" name="Rectangle 11"/>
+          <p:cNvSpPr/>
+          <p:nvPr/>
+        </p:nvSpPr>
+        <p:spPr>
+          <a:xfrm>
+            <a:off x="9426153" y="109410"/>
+            <a:ext cx="792000" cy="540000"/>
+          </a:xfrm>
+          <a:prstGeom prst="rect">
+            <a:avLst/>
+          </a:prstGeom>
+          <a:solidFill>
+            <a:schemeClr val="accent4">
+              <a:lumMod val="20000"/>
+              <a:lumOff val="80000"/>
+            </a:schemeClr>
+          </a:solidFill>
+          <a:ln>
+            <a:solidFill>
+              <a:schemeClr val="accent1">
+                <a:lumMod val="50000"/>
+              </a:schemeClr>
+            </a:solidFill>
+          </a:ln>
+        </p:spPr>
+        <p:style>
+          <a:lnRef idx="2">
+            <a:schemeClr val="accent1">
+              <a:shade val="50000"/>
+            </a:schemeClr>
+          </a:lnRef>
+          <a:fillRef idx="1">
+            <a:schemeClr val="accent1"/>
+          </a:fillRef>
+          <a:effectRef idx="0">
+            <a:schemeClr val="accent1"/>
+          </a:effectRef>
+          <a:fontRef idx="minor">
+            <a:schemeClr val="lt1"/>
+          </a:fontRef>
+        </p:style>
+        <p:txBody>
+          <a:bodyPr wrap="none" lIns="0" rIns="0" rtlCol="0" anchor="ctr"/>
+          <a:lstStyle/>
+          <a:p>
+            <a:pPr algn="ctr"/>
+            <a:r>
+              <a:rPr lang="en-AU" sz="2000" dirty="0">
+                <a:solidFill>
+                  <a:schemeClr val="tx1"/>
+                </a:solidFill>
+              </a:rPr>
+              <a:t>Priority</a:t>
+            </a:r>
+          </a:p>
+          <a:p>
+            <a:pPr algn="ctr"/>
+            <a:r>
+              <a:rPr lang="en-AU" sz="2000" dirty="0">
+                <a:solidFill>
+                  <a:schemeClr val="tx1"/>
+                </a:solidFill>
+              </a:rPr>
+              <a:t>M</a:t>
+            </a:r>
+          </a:p>
+        </p:txBody>
+      </p:sp>
+      <p:sp>
+        <p:nvSpPr>
+          <p:cNvPr id="13" name="Rectangle 12"/>
+          <p:cNvSpPr/>
+          <p:nvPr/>
+        </p:nvSpPr>
+        <p:spPr>
+          <a:xfrm>
+            <a:off x="1182153" y="5068205"/>
+            <a:ext cx="9828000" cy="1620000"/>
+          </a:xfrm>
+          <a:prstGeom prst="rect">
+            <a:avLst/>
+          </a:prstGeom>
+          <a:solidFill>
+            <a:schemeClr val="bg1"/>
+          </a:solidFill>
+          <a:ln>
+            <a:solidFill>
+              <a:schemeClr val="accent1">
+                <a:lumMod val="50000"/>
+              </a:schemeClr>
+            </a:solidFill>
+          </a:ln>
+        </p:spPr>
+        <p:style>
+          <a:lnRef idx="2">
+            <a:schemeClr val="accent1">
+              <a:shade val="50000"/>
+            </a:schemeClr>
+          </a:lnRef>
+          <a:fillRef idx="1">
+            <a:schemeClr val="accent1"/>
+          </a:fillRef>
+          <a:effectRef idx="0">
+            <a:schemeClr val="accent1"/>
+          </a:effectRef>
+          <a:fontRef idx="minor">
+            <a:schemeClr val="lt1"/>
+          </a:fontRef>
+        </p:style>
+        <p:txBody>
+          <a:bodyPr tIns="36000" rtlCol="0" anchor="t" anchorCtr="0"/>
+          <a:lstStyle/>
+          <a:p>
+            <a:r>
+              <a:rPr lang="en-AU" sz="2000" dirty="0">
+                <a:solidFill>
+                  <a:schemeClr val="tx1"/>
+                </a:solidFill>
+              </a:rPr>
+              <a:t>Notes</a:t>
+            </a:r>
+          </a:p>
+          <a:p>
+            <a:r>
+              <a:rPr lang="en-AU" sz="2000" dirty="0">
+                <a:solidFill>
+                  <a:schemeClr val="tx1"/>
+                </a:solidFill>
+              </a:rPr>
+              <a:t>   </a:t>
+            </a:r>
+          </a:p>
+        </p:txBody>
+      </p:sp>
+    </p:spTree>
+    <p:extLst>
+      <p:ext uri="{BB962C8B-B14F-4D97-AF65-F5344CB8AC3E}">
+        <p14:creationId xmlns:p14="http://schemas.microsoft.com/office/powerpoint/2010/main" val="3834474679"/>
+      </p:ext>
+    </p:extLst>
+  </p:cSld>
+  <p:clrMapOvr>
+    <a:masterClrMapping/>
+  </p:clrMapOvr>
+</p:sld>
+</file>
+
+<file path=ppt/slides/slide6.xml><?xml version="1.0" encoding="utf-8"?>
+<p:sld xmlns:a="http://schemas.openxmlformats.org/drawingml/2006/main" xmlns:r="http://schemas.openxmlformats.org/officeDocument/2006/relationships" xmlns:p="http://schemas.openxmlformats.org/presentationml/2006/main">
+  <p:cSld>
+    <p:spTree>
+      <p:nvGrpSpPr>
+        <p:cNvPr id="1" name=""/>
+        <p:cNvGrpSpPr/>
+        <p:nvPr/>
+      </p:nvGrpSpPr>
+      <p:grpSpPr>
+        <a:xfrm>
+          <a:off x="0" y="0"/>
+          <a:ext cx="0" cy="0"/>
+          <a:chOff x="0" y="0"/>
+          <a:chExt cx="0" cy="0"/>
+        </a:xfrm>
+      </p:grpSpPr>
+      <p:sp>
+        <p:nvSpPr>
+          <p:cNvPr id="4" name="Rectangle 3"/>
+          <p:cNvSpPr/>
+          <p:nvPr/>
+        </p:nvSpPr>
+        <p:spPr>
+          <a:xfrm>
+            <a:off x="1182153" y="109410"/>
+            <a:ext cx="720000" cy="540000"/>
+          </a:xfrm>
+          <a:prstGeom prst="rect">
+            <a:avLst/>
+          </a:prstGeom>
+          <a:solidFill>
+            <a:schemeClr val="accent1">
+              <a:lumMod val="40000"/>
+              <a:lumOff val="60000"/>
+            </a:schemeClr>
+          </a:solidFill>
+          <a:ln>
+            <a:solidFill>
+              <a:schemeClr val="accent1">
+                <a:lumMod val="50000"/>
+              </a:schemeClr>
+            </a:solidFill>
+          </a:ln>
+        </p:spPr>
+        <p:style>
+          <a:lnRef idx="2">
+            <a:schemeClr val="accent1">
+              <a:shade val="50000"/>
+            </a:schemeClr>
+          </a:lnRef>
+          <a:fillRef idx="1">
+            <a:schemeClr val="accent1"/>
+          </a:fillRef>
+          <a:effectRef idx="0">
+            <a:schemeClr val="accent1"/>
+          </a:effectRef>
+          <a:fontRef idx="minor">
+            <a:schemeClr val="lt1"/>
+          </a:fontRef>
+        </p:style>
+        <p:txBody>
+          <a:bodyPr wrap="square" lIns="0" rIns="0" rtlCol="0" anchor="ctr"/>
+          <a:lstStyle/>
+          <a:p>
+            <a:pPr algn="ctr"/>
+            <a:r>
+              <a:rPr lang="en-AU" sz="2000" dirty="0">
+                <a:solidFill>
+                  <a:schemeClr val="tx1"/>
+                </a:solidFill>
+              </a:rPr>
+              <a:t>Story ID </a:t>
+            </a:r>
+          </a:p>
+        </p:txBody>
+      </p:sp>
+      <p:sp>
+        <p:nvSpPr>
+          <p:cNvPr id="6" name="Rectangle 5"/>
+          <p:cNvSpPr/>
+          <p:nvPr/>
+        </p:nvSpPr>
+        <p:spPr>
+          <a:xfrm>
+            <a:off x="1974153" y="109410"/>
+            <a:ext cx="7380000" cy="540000"/>
+          </a:xfrm>
+          <a:prstGeom prst="rect">
+            <a:avLst/>
+          </a:prstGeom>
+          <a:ln>
+            <a:solidFill>
+              <a:schemeClr val="accent1">
+                <a:lumMod val="50000"/>
+              </a:schemeClr>
+            </a:solidFill>
+          </a:ln>
+        </p:spPr>
+        <p:style>
+          <a:lnRef idx="2">
+            <a:schemeClr val="accent1">
+              <a:shade val="50000"/>
+            </a:schemeClr>
+          </a:lnRef>
+          <a:fillRef idx="1">
+            <a:schemeClr val="accent1"/>
+          </a:fillRef>
+          <a:effectRef idx="0">
+            <a:schemeClr val="accent1"/>
+          </a:effectRef>
+          <a:fontRef idx="minor">
+            <a:schemeClr val="lt1"/>
+          </a:fontRef>
+        </p:style>
+        <p:txBody>
+          <a:bodyPr rtlCol="0" anchor="ctr"/>
+          <a:lstStyle/>
+          <a:p>
+            <a:pPr algn="ctr"/>
+            <a:r>
+              <a:rPr lang="en-US" sz="2800" dirty="0"/>
+              <a:t>Comment </a:t>
+            </a:r>
+            <a:endParaRPr lang="en-AU" sz="2800" dirty="0"/>
+          </a:p>
+        </p:txBody>
+      </p:sp>
+      <p:sp>
+        <p:nvSpPr>
+          <p:cNvPr id="7" name="Rectangle 6"/>
+          <p:cNvSpPr/>
+          <p:nvPr/>
+        </p:nvSpPr>
+        <p:spPr>
+          <a:xfrm>
+            <a:off x="1182153" y="822470"/>
+            <a:ext cx="9828000" cy="2340000"/>
+          </a:xfrm>
+          <a:prstGeom prst="rect">
+            <a:avLst/>
+          </a:prstGeom>
+          <a:solidFill>
+            <a:schemeClr val="tx2">
+              <a:lumMod val="20000"/>
+              <a:lumOff val="80000"/>
+            </a:schemeClr>
+          </a:solidFill>
+          <a:ln>
+            <a:solidFill>
+              <a:schemeClr val="accent1">
+                <a:lumMod val="50000"/>
+              </a:schemeClr>
+            </a:solidFill>
+          </a:ln>
+        </p:spPr>
+        <p:style>
+          <a:lnRef idx="2">
+            <a:schemeClr val="accent1">
+              <a:shade val="50000"/>
+            </a:schemeClr>
+          </a:lnRef>
+          <a:fillRef idx="1">
+            <a:schemeClr val="accent1"/>
+          </a:fillRef>
+          <a:effectRef idx="0">
+            <a:schemeClr val="accent1"/>
+          </a:effectRef>
+          <a:fontRef idx="minor">
+            <a:schemeClr val="lt1"/>
+          </a:fontRef>
+        </p:style>
+        <p:txBody>
+          <a:bodyPr rtlCol="0" anchor="t" anchorCtr="0"/>
+          <a:lstStyle/>
+          <a:p>
+            <a:r>
+              <a:rPr lang="en-US" altLang="ko-KR" sz="2400" dirty="0">
+                <a:solidFill>
+                  <a:schemeClr val="tx1"/>
+                </a:solidFill>
+              </a:rPr>
+              <a:t>As the tutor, I want to comment about assessment so that student understand what they are wrong about it.</a:t>
+            </a:r>
+            <a:endParaRPr lang="en-AU" sz="2400" dirty="0">
+              <a:solidFill>
+                <a:schemeClr val="tx1"/>
+              </a:solidFill>
+            </a:endParaRPr>
+          </a:p>
+        </p:txBody>
+      </p:sp>
+      <p:sp>
+        <p:nvSpPr>
+          <p:cNvPr id="8" name="Rectangle 7"/>
+          <p:cNvSpPr/>
+          <p:nvPr/>
+        </p:nvSpPr>
+        <p:spPr>
+          <a:xfrm>
+            <a:off x="1182153" y="3335530"/>
+            <a:ext cx="9828000" cy="1620000"/>
+          </a:xfrm>
+          <a:prstGeom prst="rect">
+            <a:avLst/>
+          </a:prstGeom>
+          <a:solidFill>
+            <a:schemeClr val="accent1">
+              <a:lumMod val="20000"/>
+              <a:lumOff val="80000"/>
+            </a:schemeClr>
+          </a:solidFill>
+          <a:ln>
+            <a:solidFill>
+              <a:schemeClr val="accent1">
+                <a:lumMod val="50000"/>
+              </a:schemeClr>
+            </a:solidFill>
+          </a:ln>
+        </p:spPr>
+        <p:style>
+          <a:lnRef idx="2">
+            <a:schemeClr val="accent1">
+              <a:shade val="50000"/>
+            </a:schemeClr>
+          </a:lnRef>
+          <a:fillRef idx="1">
+            <a:schemeClr val="accent1"/>
+          </a:fillRef>
+          <a:effectRef idx="0">
+            <a:schemeClr val="accent1"/>
+          </a:effectRef>
+          <a:fontRef idx="minor">
+            <a:schemeClr val="lt1"/>
+          </a:fontRef>
+        </p:style>
+        <p:txBody>
+          <a:bodyPr tIns="36000" rtlCol="0" anchor="t" anchorCtr="0"/>
+          <a:lstStyle/>
+          <a:p>
+            <a:r>
+              <a:rPr lang="en-AU" sz="2000" dirty="0">
+                <a:solidFill>
+                  <a:schemeClr val="tx1"/>
+                </a:solidFill>
+              </a:rPr>
+              <a:t>Acceptance Criteria</a:t>
+            </a:r>
+          </a:p>
+        </p:txBody>
+      </p:sp>
+      <p:sp>
+        <p:nvSpPr>
+          <p:cNvPr id="11" name="Rectangle 10"/>
+          <p:cNvSpPr/>
+          <p:nvPr/>
+        </p:nvSpPr>
+        <p:spPr>
+          <a:xfrm>
+            <a:off x="10290153" y="109410"/>
+            <a:ext cx="720000" cy="540000"/>
+          </a:xfrm>
+          <a:prstGeom prst="rect">
+            <a:avLst/>
+          </a:prstGeom>
+          <a:solidFill>
+            <a:srgbClr val="CCF0CD">
+              <a:alpha val="20000"/>
+            </a:srgbClr>
+          </a:solidFill>
+          <a:ln>
+            <a:solidFill>
+              <a:schemeClr val="accent1">
+                <a:lumMod val="50000"/>
+              </a:schemeClr>
+            </a:solidFill>
+          </a:ln>
+        </p:spPr>
+        <p:style>
+          <a:lnRef idx="2">
+            <a:schemeClr val="accent1">
+              <a:shade val="50000"/>
+            </a:schemeClr>
+          </a:lnRef>
+          <a:fillRef idx="1">
+            <a:schemeClr val="accent1"/>
+          </a:fillRef>
+          <a:effectRef idx="0">
+            <a:schemeClr val="accent1"/>
+          </a:effectRef>
+          <a:fontRef idx="minor">
+            <a:schemeClr val="lt1"/>
+          </a:fontRef>
+        </p:style>
+        <p:txBody>
+          <a:bodyPr wrap="square" lIns="0" rIns="0" rtlCol="0" anchor="ctr"/>
+          <a:lstStyle/>
+          <a:p>
+            <a:pPr algn="ctr"/>
+            <a:r>
+              <a:rPr lang="en-AU" sz="2000" dirty="0">
+                <a:solidFill>
+                  <a:schemeClr val="tx1"/>
+                </a:solidFill>
+              </a:rPr>
+              <a:t>Story Points</a:t>
+            </a:r>
+          </a:p>
+        </p:txBody>
+      </p:sp>
+      <p:sp>
+        <p:nvSpPr>
+          <p:cNvPr id="12" name="Rectangle 11"/>
+          <p:cNvSpPr/>
+          <p:nvPr/>
+        </p:nvSpPr>
+        <p:spPr>
+          <a:xfrm>
+            <a:off x="9426153" y="109410"/>
+            <a:ext cx="792000" cy="540000"/>
+          </a:xfrm>
+          <a:prstGeom prst="rect">
+            <a:avLst/>
+          </a:prstGeom>
+          <a:solidFill>
+            <a:schemeClr val="accent4">
+              <a:lumMod val="20000"/>
+              <a:lumOff val="80000"/>
+            </a:schemeClr>
+          </a:solidFill>
+          <a:ln>
+            <a:solidFill>
+              <a:schemeClr val="accent1">
+                <a:lumMod val="50000"/>
+              </a:schemeClr>
+            </a:solidFill>
+          </a:ln>
+        </p:spPr>
+        <p:style>
+          <a:lnRef idx="2">
+            <a:schemeClr val="accent1">
+              <a:shade val="50000"/>
+            </a:schemeClr>
+          </a:lnRef>
+          <a:fillRef idx="1">
+            <a:schemeClr val="accent1"/>
+          </a:fillRef>
+          <a:effectRef idx="0">
+            <a:schemeClr val="accent1"/>
+          </a:effectRef>
+          <a:fontRef idx="minor">
+            <a:schemeClr val="lt1"/>
+          </a:fontRef>
+        </p:style>
+        <p:txBody>
+          <a:bodyPr wrap="none" lIns="0" rIns="0" rtlCol="0" anchor="ctr"/>
+          <a:lstStyle/>
+          <a:p>
+            <a:pPr algn="ctr"/>
+            <a:r>
+              <a:rPr lang="en-AU" sz="2000" dirty="0">
+                <a:solidFill>
+                  <a:schemeClr val="tx1"/>
+                </a:solidFill>
+              </a:rPr>
+              <a:t>Priority</a:t>
+            </a:r>
+          </a:p>
+          <a:p>
+            <a:pPr algn="ctr"/>
+            <a:r>
+              <a:rPr lang="en-AU" sz="2000" dirty="0">
+                <a:solidFill>
+                  <a:schemeClr val="tx1"/>
+                </a:solidFill>
+              </a:rPr>
+              <a:t>M</a:t>
+            </a:r>
+          </a:p>
+        </p:txBody>
+      </p:sp>
+      <p:sp>
+        <p:nvSpPr>
+          <p:cNvPr id="13" name="Rectangle 12"/>
+          <p:cNvSpPr/>
+          <p:nvPr/>
+        </p:nvSpPr>
+        <p:spPr>
+          <a:xfrm>
+            <a:off x="1182153" y="5068205"/>
+            <a:ext cx="9828000" cy="1620000"/>
+          </a:xfrm>
+          <a:prstGeom prst="rect">
+            <a:avLst/>
+          </a:prstGeom>
+          <a:solidFill>
+            <a:schemeClr val="bg1"/>
+          </a:solidFill>
+          <a:ln>
+            <a:solidFill>
+              <a:schemeClr val="accent1">
+                <a:lumMod val="50000"/>
+              </a:schemeClr>
+            </a:solidFill>
+          </a:ln>
+        </p:spPr>
+        <p:style>
+          <a:lnRef idx="2">
+            <a:schemeClr val="accent1">
+              <a:shade val="50000"/>
+            </a:schemeClr>
+          </a:lnRef>
+          <a:fillRef idx="1">
+            <a:schemeClr val="accent1"/>
+          </a:fillRef>
+          <a:effectRef idx="0">
+            <a:schemeClr val="accent1"/>
+          </a:effectRef>
+          <a:fontRef idx="minor">
+            <a:schemeClr val="lt1"/>
+          </a:fontRef>
+        </p:style>
+        <p:txBody>
+          <a:bodyPr tIns="36000" rtlCol="0" anchor="t" anchorCtr="0"/>
+          <a:lstStyle/>
+          <a:p>
+            <a:r>
+              <a:rPr lang="en-AU" sz="2000" dirty="0">
+                <a:solidFill>
+                  <a:schemeClr val="tx1"/>
+                </a:solidFill>
+              </a:rPr>
+              <a:t>Notes</a:t>
+            </a:r>
+          </a:p>
+          <a:p>
+            <a:pPr marL="179388" indent="-179388">
+              <a:buFont typeface="Arial" pitchFamily="34" charset="0"/>
+              <a:buChar char="•"/>
+            </a:pPr>
+            <a:r>
+              <a:rPr lang="en-AU" sz="2000" dirty="0" err="1">
+                <a:solidFill>
+                  <a:schemeClr val="tx1"/>
+                </a:solidFill>
+              </a:rPr>
+              <a:t>Textarea</a:t>
+            </a:r>
+            <a:r>
+              <a:rPr lang="en-AU" sz="2000" dirty="0">
+                <a:solidFill>
+                  <a:schemeClr val="tx1"/>
+                </a:solidFill>
+              </a:rPr>
+              <a:t> for writing tutor’s opinion and submit button.   </a:t>
+            </a:r>
+          </a:p>
+        </p:txBody>
+      </p:sp>
+    </p:spTree>
+    <p:extLst>
+      <p:ext uri="{BB962C8B-B14F-4D97-AF65-F5344CB8AC3E}">
+        <p14:creationId xmlns:p14="http://schemas.microsoft.com/office/powerpoint/2010/main" val="83506081"/>
       </p:ext>
     </p:extLst>
   </p:cSld>
